--- a/mockup.pptx
+++ b/mockup.pptx
@@ -8,9 +8,13 @@
     <p:sldId id="258" r:id="rId2"/>
     <p:sldId id="260" r:id="rId3"/>
     <p:sldId id="264" r:id="rId4"/>
-    <p:sldId id="261" r:id="rId5"/>
-    <p:sldId id="262" r:id="rId6"/>
-    <p:sldId id="263" r:id="rId7"/>
+    <p:sldId id="266" r:id="rId5"/>
+    <p:sldId id="261" r:id="rId6"/>
+    <p:sldId id="267" r:id="rId7"/>
+    <p:sldId id="262" r:id="rId8"/>
+    <p:sldId id="268" r:id="rId9"/>
+    <p:sldId id="265" r:id="rId10"/>
+    <p:sldId id="269" r:id="rId11"/>
   </p:sldIdLst>
   <p:sldSz cx="12192000" cy="6858000"/>
   <p:notesSz cx="6858000" cy="9144000"/>
@@ -109,6 +113,11 @@
       </a:defRPr>
     </a:lvl9pPr>
   </p:defaultTextStyle>
+  <p:extLst>
+    <p:ext uri="{EFAFB233-063F-42B5-8137-9DF3F51BA10A}">
+      <p15:sldGuideLst xmlns:p15="http://schemas.microsoft.com/office/powerpoint/2012/main"/>
+    </p:ext>
+  </p:extLst>
 </p:presentation>
 </file>
 
@@ -136,7 +145,7 @@
       <inkml:brushProperty name="color" value="#E71224"/>
     </inkml:brush>
   </inkml:definitions>
-  <inkml:trace contextRef="#ctx0" brushRef="#br0">2809 14 24575,'-11'5'0,"-47"-1"0,-44-3 0,-11-1 0,17 0 0,4 1 0,-2-1 0,21 0 0,-11 0 0,-3 0 0,2 0 0,10 1 0,-5 0 0,7 0 0,13 1 0,-19-2 0,0 2 0,1 0 0,8-2 0,-1 0 0,6 0 0,8 0 0,4 0 0,7-2 0,-1 2 0,-5-2 0,9 2 0,1-1 0,13 1 0,-1-2 0,-3 2 0,-9 0 0,-9 0 0,-3 0 0,4 0 0,12 0 0,13 0 0,6 0 0,3 0 0,-1 1 0,5 0 0,4 0 0,1-1 0,-7 4 0,-13 1 0,4 1 0,-8 1 0,-6 4 0,-4-1 0,-3 4 0,12-7 0,18-2 0,5 0 0,2 0 0,0 5 0,-2-1 0,0 1 0,1 1 0,3-1 0,-4 2 0,3 0 0,-4 3 0,-3 3 0,2 4 0,-4 3 0,4 0 0,2-3 0,3-3 0,3-1 0,2 2 0,0-4 0,1 6 0,0 2 0,0 2 0,1 8 0,3-5 0,1 4 0,5 0 0,1 0 0,3 5 0,0-1 0,-3-3 0,-1-6 0,-5-6 0,1-4 0,-2-3 0,1-2 0,-2-4 0,-1-3 0,-1-1 0,1 4 0,0 3 0,0 8 0,0 7 0,0 2 0,2 2 0,-2-3 0,1-1 0,-3-1 0,1 1 0,-1 1 0,0 1 0,0 4 0,0-2 0,0 0 0,-1-1 0,0-3 0,0 2 0,1-7 0,0 0 0,-1-1 0,-1 4 0,-2 4 0,1-2 0,0-1 0,1-6 0,1-7 0,1-2 0,-2 0 0,-1 8 0,1 1 0,-3 5 0,3-8 0,1 1 0,-1 0 0,2-2 0,0-1 0,0 1 0,0-3 0,0 1 0,0 0 0,0-1 0,0 13 0,-1 5 0,0 13 0,0-3 0,1-1 0,-2-9 0,2-11 0,-2-6 0,2-8 0,0-2 0,2 12 0,0-4 0,1 9 0,-2-7 0,1 0 0,-1 4 0,1 2 0,1 5 0,0-2 0,0-2 0,0-3 0,-1 1 0,1 0 0,-2 0 0,4-1 0,-1 2 0,4-4 0,1 8 0,6-4 0,4 5 0,5 3 0,5 1 0,-5-1 0,0-2 0,-11-8 0,-4-5 0,-3-2 0,-2-1 0,-1 0 0,1 3 0,1 1 0,-1 2 0,4 2 0,-1 2 0,1-1 0,-1-2 0,-5-8 0,1-4 0,8 7 0,12 3 0,6 8 0,12 5 0,-6-4 0,4 5 0,-2-3 0,-2 3 0,1-4 0,0-2 0,1-1 0,-1-6 0,1 3 0,-1-1 0,2-1 0,-2 1 0,-1-4 0,-2-2 0,2 4 0,7-3-6784,10 6 6784,-3-3 0,12 4 0,-20-5 0,5 2 0,-8-1 0,0-1 0,2 1 6784,2-2-6784,3 0 0,24 4 0,15-4 0,-25-4 0,3 0-345,6-2 1,2 0 344,10 1 0,2-1 0,-2 1 0,0-1 0,2-1 0,-2 1 0,-16-2 0,-2 0 0,-3 0 0,-3-1 0,29 0 0,4 1 0,2-1 0,4-2 0,-1 1 689,-4-4-689,-5-4 0,-7 1 0,5-6 0,-2 4 0,16 1 0,-45 2 0,1 2 0,1 0 0,0 0 0,4 0 0,-1 0 0,-4-1 0,-1 0 0,-1 0 0,-1 1 0,29-2 0,2 2 0,-11 0 0,20 0 0,-4-2 0,13-1 0,-10-1 0,-2-1 0,-15 1 0,-2-2 0,-4 1 0,0-3 0,-8 0 0,-8-1 0,-12-5 0,5-7 0,2-8 0,6-6 0,-2 3 0,4-7 0,-1 7 0,-4-4 0,-3 5 0,-12 0 0,-2-2 0,-5-4 0,-3 4 0,-5-1 0,-1 4 0,-3-3 0,2-1 0,-2-3 0,0-1 0,1-1 0,-2-1 0,-1-4 0,-1-1 0,-1-5 0,0-2 0,-3 2 0,3-8 0,-1-2 0,1-8 0,2 4 0,3-6 0,3 4 0,1-3 0,-4-2 0,-2 2 0,-3 3 0,-3 1 0,-1 6 0,-4 9 0,0 2 0,-2 12 0,0-3 0,0 2 0,0-1 0,-5-6 0,-1 3 0,-5 1 0,-3 1 0,-1 5 0,-5-4 0,2 4 0,0-2 0,3 5 0,1-6 0,-2-3 0,-1-1 0,-4-6 0,-2 1 0,0 2 0,-3 0 0,1 3 0,-2 6 0,-1-2 0,-3 4 0,-1 1 0,-1 0 0,2-1 0,0-1 0,-2-1 0,-7 0 0,-12-2 0,-4 1 0,2 2 0,-4 5 0,11 8 0,-9 1 0,-3 5 0,-18 1 0,-9-2 0,-11 3 0,3-3 0,-2 4 0,13-1 0,-12 1 0,16 1 0,3 6 0,9 1 0,5 4 0,-6 0 0,-16-2 0,-2 1 0,-13-3 0,48 3 0,1 1 0,-33-2 0,1 2 0,33 0 0,4 0 0,12 0 0,7 0 0,-6 0 0,-5 0 0,-11-2 0,-5 0 0,6-2 0,8 1 0,10 0 0,-3-2 0,3 1 0,-13-3 0,-12 2 0,-10 0 0,-11 0 0,3 1 0,9 0 0,15 0 0,12 0 0,9 1 0,-3 1 0,-3-1 0,-7 1 0,0-1 0,4 1 0,9 0 0,7 2 0,4 0 0,-2 0 0,-4 0 0,-7 0 0,2 0 0,7 0 0,6 0 0,13 4 0,-1-3 0,2 3 0</inkml:trace>
+  <inkml:trace contextRef="#ctx0" brushRef="#br0">3157 18 24575,'-13'7'0,"-52"-2"0,-50-4 0,-12-1 0,20 0 0,3 1 0,-1-1 0,22 0 0,-11 0 0,-4 0 0,3 0 0,10 2 0,-4-1 0,7 0 0,14 2 0,-21-3 0,1 3 0,0-1 0,9-2 0,-1 0 0,7 0 0,9 0 0,5 0 0,7-2 0,-1 2 0,-5-3 0,10 3 0,0-1 0,16 1 0,-2-3 0,-3 3 0,-10 0 0,-11 0 0,-2 0 0,4 0 0,13 0 0,15 0 0,6 0 0,4 0 0,-1 1 0,6 1 0,4-1 0,1-1 0,-8 5 0,-14 2 0,4 0 0,-9 3 0,-6 4 0,-5-1 0,-4 5 0,14-8 0,20-4 0,6 1 0,2-1 0,1 7 0,-4-1 0,1 1 0,1 1 0,4-1 0,-5 3 0,3 0 0,-4 3 0,-4 5 0,3 5 0,-5 3 0,4 1 0,3-4 0,4-4 0,2-2 0,3 3 0,0-5 0,1 8 0,0 2 0,0 3 0,1 11 0,4-7 0,0 5 0,6 0 0,2 0 0,3 7 0,-1-2 0,-2-4 0,-2-7 0,-5-8 0,0-6 0,-1-3 0,0-3 0,-1-5 0,-2-5 0,-1 0 0,1 5 0,1 3 0,-1 12 0,0 8 0,0 3 0,3 2 0,-3-3 0,1-2 0,-3-1 0,2 1 0,-2 2 0,0 1 0,0 5 0,0-2 0,0-1 0,-2-1 0,1-3 0,0 1 0,1-8 0,0 0 0,-1-2 0,-1 6 0,-3 5 0,2-3 0,0-1 0,0-8 0,2-9 0,1-2 0,-2-1 0,-1 11 0,0 1 0,-2 7 0,3-11 0,0 1 0,0 1 0,2-3 0,0-2 0,0 2 0,0-4 0,0 2 0,0-1 0,0-1 0,0 17 0,-1 6 0,0 18 0,0-5 0,1 0 0,-2-13 0,2-14 0,-3-7 0,3-11 0,0-3 0,3 16 0,-1-6 0,1 13 0,-2-10 0,2 0 0,-2 6 0,1 2 0,1 7 0,1-3 0,-1-3 0,0-3 0,0 1 0,0-1 0,-2 1 0,5-1 0,-2 2 0,5-5 0,1 10 0,7-5 0,5 7 0,5 4 0,5 0 0,-5 0 0,0-3 0,-12-10 0,-5-8 0,-3-1 0,-3-2 0,-1 0 0,2 4 0,0 1 0,0 3 0,4 3 0,-1 2 0,1-1 0,-1-3 0,-6-10 0,1-6 0,10 10 0,13 3 0,6 12 0,14 5 0,-6-5 0,3 7 0,-1-4 0,-3 4 0,2-5 0,-1-3 0,2-1 0,-2-8 0,2 3 0,-2 0 0,3-2 0,-3 2 0,0-6 0,-3-2 0,2 5 0,8-4-6784,12 7 6784,-4-3 0,13 5 0,-22-6 0,6 2 0,-9-1 0,0-1 0,2 1 6784,2-3-6784,3 0 0,28 6 0,16-6 0,-27-5 0,2 0-345,8-2 1,1-1 344,12 2 0,2-2 0,-2 2 0,0-1 0,2-2 0,-2 1 0,-18-2 0,-2 0 0,-4 0 0,-3-2 0,33 1 0,4 1 0,2-2 0,5-2 0,-2 1 689,-4-5-689,-5-5 0,-8 1 0,5-8 0,-2 6 0,18 1 0,-51 2 0,2 3 0,1 0 0,-1 0 0,5 0 0,-1 0 0,-4-1 0,-2-1 0,0 1 0,-2 1 0,33-3 0,2 3 0,-13 0 0,24 0 0,-6-2 0,15-2 0,-11-1 0,-2-2 0,-17 2 0,-2-3 0,-5 2 0,0-5 0,-9 1 0,-8-2 0,-15-6 0,7-10 0,1-10 0,7-7 0,-2 3 0,5-9 0,-2 9 0,-4-5 0,-3 6 0,-14 1 0,-2-3 0,-6-6 0,-3 6 0,-6-1 0,-1 5 0,-3-4 0,2-2 0,-2-3 0,-1-2 0,2-1 0,-2-1 0,-2-6 0,0 0 0,-2-8 0,0-2 0,-3 3 0,3-11 0,-1-2 0,2-11 0,1 5 0,4-7 0,3 5 0,2-5 0,-5-1 0,-3 1 0,-3 5 0,-3 1 0,-1 8 0,-5 12 0,0 2 0,-2 16 0,0-4 0,0 3 0,0-2 0,-5-7 0,-2 3 0,-5 2 0,-4 1 0,-1 6 0,-5-4 0,1 4 0,1-2 0,3 7 0,2-9 0,-3-3 0,-1-2 0,-5-7 0,-2 1 0,0 2 0,-3 1 0,1 3 0,-2 9 0,-2-4 0,-3 6 0,-1 1 0,-1 1 0,2-3 0,1 0 0,-4-2 0,-6 0 0,-15-2 0,-4 1 0,2 3 0,-4 6 0,12 10 0,-9 2 0,-5 7 0,-19 0 0,-11-2 0,-12 4 0,3-4 0,-1 6 0,13-2 0,-12 1 0,17 2 0,3 7 0,11 2 0,5 5 0,-6 0 0,-18-3 0,-3 2 0,-14-4 0,53 4 0,2 1 0,-37-3 0,1 3 0,37 0 0,4 0 0,14 0 0,8 0 0,-7 0 0,-6 0 0,-12-3 0,-5 1 0,6-4 0,9 3 0,12-1 0,-4-3 0,3 2 0,-14-4 0,-14 2 0,-11 1 0,-12-1 0,3 2 0,10 0 0,17-1 0,14 1 0,9 1 0,-2 2 0,-4-2 0,-8 1 0,0-1 0,4 2 0,11-1 0,7 3 0,5 0 0,-2 0 0,-4 0 0,-9 0 0,3 0 0,7 0 0,7 0 0,15 5 0,-1-3 0,2 3 0</inkml:trace>
 </inkml:ink>
 </file>
 
@@ -164,7 +173,7 @@
       <inkml:brushProperty name="color" value="#E71224"/>
     </inkml:brush>
   </inkml:definitions>
-  <inkml:trace contextRef="#ctx0" brushRef="#br0">2131 51 24575,'-51'-4'0,"-24"2"0,14 1 0,-4 0 0,-9 1 0,-2 0-734,-3 1 1,-1 1 733,2-2 0,1 0 0,5 3 0,3-1-3808,11-1 1,1 1 3807,2 1 0,2 1 1798,-31-1-1798,-3 5 0,19-5 0,8 3 500,5 0-500,14-1 6784,6 2-6784,11-1 0,-2 2 0,3 2 0,-11 1 0,-7 3 0,-12 4 0,-9 0 0,-2 4 0,9-5 0,9 1 0,18-4 0,6 0 0,10-2 0,3-2 0,4 1 0,2-3 0,-3 3 0,1-1 0,-3 2 0,0 2 0,-1 1 0,2 2 0,-2 2 0,1-2 0,-1 8 0,-1-4 0,0 13 0,1-2 0,1 6 0,4-1 0,0-2 0,4-2 0,0 2 0,2-3 0,-2 0 0,5 1 0,-3 2 0,4 10 0,0 10 0,-2 8 0,0 8 0,-2 1 0,-2-3 0,0-4 0,0-3 0,0-3 0,0 6 0,0-2 0,2 2 0,2-5 0,4-5 0,0-10 0,3-2 0,-4-12 0,1 2 0,-1-2 0,0-3 0,-2 3 0,0 0 0,-1 0 0,-2 0 0,-1 0 0,1 0 0,0 3 0,0 2 0,-1 6 0,-1-2 0,0-2 0,0-6 0,3-5 0,1-1 0,0-6 0,2 4 0,1-4 0,4 6 0,5 4 0,8 7 0,0-4 0,2 1 0,-7-8 0,-4 1 0,-3 0 0,-2 4 0,-3 0 0,1 0 0,-3-7 0,3-2 0,1-2 0,1 0 0,1 1 0,-4-3 0,-1-3 0,0-2 0,-3-1 0,1 0 0,1 1 0,-2 0 0,1 3 0,1 4 0,0 3 0,3 5 0,0-1 0,4 0 0,-2-5 0,2 1 0,3-2 0,3 5 0,6-2 0,2 1 0,6-5 0,2-3 0,1-3 0,-2-2 0,6 2 0,4-2 0,14 3 0,14-1 0,17-3 0,10 0 0,-43-8 0,1-1 0,-2 3 0,0 0 0,45 0 0,-47 0 0,0-1 0,41 1 0,-39-2 0,2-1 0,-2 0 0,0-2 0,4 1 0,0-2 0,0 0 0,0 0 0,3 0 0,1-1 0,-6 1 0,1-1 0,5 0 0,-2 0 0,-5 1 0,-2 1 0,47-2 0,-8 2 0,-16 0 0,7 0 0,4 0 0,3 0 0,-38 0 0,1 0 0,42 0 0,-43-2 0,-1 0 0,44-5 0,-8-3 0,-12-3 0,-13 3 0,-1-3 0,-7 0 0,22-5 0,6-2 0,-30 10 0,1 2 0,0-1 0,-1 2 0,47-3 0,-15-1 0,-16 2 0,-3-3 0,0-2 0,10-3 0,19-8 0,-41 15 0,1 2 0,2-2 0,0 0 0,1 4 0,-2 0 0,40-3 0,-17 3 0,-24 0 0,-16 2 0,-12-6 0,5-6 0,15-10 0,20-9 0,8-4 0,6 0 0,-18 8 0,-11 3 0,-10 4 0,-6-1 0,6-2 0,0-10 0,7-9 0,10-13 0,3-6 0,-2 6 0,-8 5 0,-9 7 0,-8-1 0,-5-5 0,-6-4 0,-4-2 0,-4-9 0,-1 2 0,-5 3 0,1 7 0,-5 14 0,-1 2 0,-2 3 0,-2-2 0,-2-4 0,0-9 0,0-2 0,-2 2 0,4-5 0,-4 11 0,2-4 0,-1 4 0,-1 4 0,-3-2 0,-1 4 0,-4 0 0,-2 1 0,-3 1 0,2-2 0,1 2 0,5-3 0,2 1 0,-2-4 0,0 0 0,-2 5 0,-3 1 0,5 8 0,-3 2 0,6 7 0,0 6 0,1 3 0,2 2 0,0-3 0,-1-1 0,-4-7 0,-3-1 0,-7-5 0,1 0 0,-2-1 0,0-2 0,0 2 0,-2 2 0,-4-3 0,5 9 0,-6-7 0,-4 4 0,-6-5 0,-8-1 0,1 0 0,0 2 0,6 5 0,-6-2 0,6 5 0,-3 1 0,-1 0 0,1 3 0,-7 0 0,0 2 0,-6 3 0,-14 0 0,-12-1 0,-18-1 0,45 4 0,0-1 0,-2 1 0,1-1 0,2 0 0,0 1 0,1-1 0,1 1 0,-37-1 0,9-2 0,3 6 0,2-1 0,-3 4 0,0-2 0,6 3 0,-2 0 0,5 1 0,8 0 0,-2 0 0,8 1 0,-10 2 0,-4 1 0,1 0 0,2 0 0,-1 1 0,1-1 0,3-2 0,-9 0 0,11-2 0,-7 0 0,15 0 0,8 0 0,9 0 0,-4 2 0,1-2 0,-21 2 0,-11-2 0,-20 0 0,-9 0 0,5-2 0,16 1 0,23-1 0,18 2 0,16 0 0,2 0 0,6 0 0,-1 0 0,-3 0 0,-7 0 0,-10 0 0,-8 0 0,-9 0 0,3 0 0,1 0 0,15 0 0,10 1 0,-18 2 0,-13 1 0,-18 0 0,-4 0 0,17 0 0,12-2 0,15 0 0,-3 1 0,-19 6 0,-11-1 0,-13 2 0,19-6 0,19 0 0,12-2 0,9 1 0,-22 11 0,-14 1 0,-14 6 0,-1-6 0,15-7 0,8-3 0,12-3 0,8 4 0,-13 8 0,12-2 0,-18 5 0,10-8 0,1-4 0,-3 0 0,8-3 0,8 1 0,5-3 0,-19 3 0,-16 0 0,-12-1 0,-12 0 0,7 0 0,10-1 0,13 0 0,23 1 0,0 11 0,4 1 0,-12 9 0,7-7 0,0 0 0,0-3 0,2 3 0,1-5 0,3 1 0,6-6 0,-2 4 0,2-2 0,-3 5 0,-5 4 0,4-1 0,-5 3 0,6-1 0,1-1 0,3 2 0,2 0 0,2 0 0,0 3 0,1 2 0,0 3 0,1 2 0,-1 2 0,1 1 0,1 6 0,1 2 0,1 2 0,0 1 0,0-4 0,-1 0 0,0-2 0,0-1 0,0 5 0,0-3 0,0 11 0,0-6 0,2 17 0,2-2 0,3 8 0,-1-4 0,-1-6 0,-2-10 0,-3-8 0,3-10 0,-1 0 0,2 1 0,-3 6 0,3 1 0,-4 1 0,2 0 0,-2-1 0,0 3 0,0-3 0,1 7 0,3-2 0,2 4 0,-1-8 0,2-4 0,-5-6 0,2-5 0,-3-5 0,0-3 0,0 2 0,1 2 0,1 2 0,0 0 0,0-3 0,0 5 0,0-1 0,0 3 0,-1 0 0,1 0 0,0 1 0,2-1 0,2 0 0,0-2 0,3 4 0,2-1 0,-1-1 0,1 0 0,-4 0 0,0 1 0,-2-1 0,1 2 0,-1-3 0,1 5 0,0-7 0,2 6 0,0-8 0,2 3 0,2 0 0,5 2 0,5 8 0,9 0 0,-2 1 0,-4-10 0,-4-1 0,-9-12 0,1 5 0,-4-4 0,2 5 0,-3-2 0,2 1 0,-2-3 0,0-3 0,3-2 0,4-1 0,6-1 0,11 1 0,25 1 0,27 4 0,-32-5 0,1 1 0,-1-1 0,1 0 0,-1 0 0,-1 0 0,32 3 0,-1 0 0,-17-2 0,-2-1 0,7-4 0,10 4 0,8-3 0,-36 0 0,0-1 0,-2-1 0,1 0 0,6 0 0,0 0 0,-5 0 0,-1-1 0,46 2 0,-19-2 0,-11 0 0,-10 0 0,-7 0 0,6 0 0,-3 0 0,11 0 0,-4 0 0,0 0 0,-10 0 0,-4 0 0,-7 0 0,3 0 0,-2 0 0,2-1 0,-4-1 0,-2-2 0,1 1 0,1 1 0,3-2 0,0 4 0,7-2 0,5 2 0,2 0 0,9 0 0,-2 0 0,11 0 0,-2 2 0,-5-1-6784,-4 1 6784,-19-2 0,-3 0 0,-9-2 0,1 0 0,16 0 0,6-1 0,14 0 6784,-9-2-6784,4 0 0,-5 1 0,1 1 0,-4 2 0,-10-4 0,-9 4 0,2-3 0,-1 3 0,14 0 0,5-1 0,3 1 0,-4-2 0,-10-1 0,-9-1 0,-2-2 0,4-2 0,10 1 0,16 0 0,2 2 0,2 0 0,-17 1 0,-13-2 0,-11 2 0,-2-4 0,12-4 0,4-3 0,27-6 0,-4 2 0,7-2 0,-21 5 0,-16 4 0,-12 0 0,-3 2 0,4-2 0,7-3 0,9-4 0,-4 1 0,2-4 0,-12 2 0,0 0 0,-2-1 0,-3 3 0,-1 1 0,-5-1 0,1-1 0,1-7 0,1-2 0,5-6 0,-1-1 0,3 3 0,-3 0 0,1-1 0,-3-3 0,1-3 0,1-8 0,1 0 0,2-9 0,-3 7 0,-3 0 0,-4 11 0,-3 0 0,-3 6 0,-2 1 0,-2 0 0,-3 3 0,1-2 0,-2 0 0,0 1 0,-1-3 0,0-1 0,0-5 0,-1-1 0,-3-6 0,0 1 0,0 0 0,1 6 0,2 4 0,0 0 0,1 2 0,0-7 0,-2-2 0,-2 1 0,-1 1 0,0 9 0,1 10 0,1 2 0,2 6 0,-2 0 0,-3-7 0,-1-3 0,-2-2 0,3 3 0,1 9 0,4 4 0,-2-2 0,0-4 0,-3-7 0,-4-4 0,-5-7 0,-2-3 0,0 0 0,4 6 0,4 5 0,4 5 0,-3-2 0,0-4 0,-7-2 0,-1-1 0,-5 3 0,1 2 0,4 8 0,-5-2 0,5 2 0,-9-3 0,-2-5 0,-6-4 0,-2-2 0,1 1 0,4 4 0,2 2 0,0 1 0,-1-2 0,-5-3 0,2 2 0,-1-1 0,1 3 0,6 4 0,2 1 0,-3-2 0,-5-2 0,-3-2 0,-7 3 0,5 4 0,0 3 0,4 1 0,-2 0 0,6 5 0,-9-3 0,-7 2 0,-17-1 0,-11-1 0,-8 4 0,5 1 0,-1 2 0,14-1 0,-10-1 0,-2-1 0,-8 0 0,-10-2 0,5 4 0,6 1 0,16 1 0,15 3 0,18 0 0,-3 0 0,-6 0 0,-7 0 0,-18 0 0,0 0 0,-2 0 0,7 0 0,13-1 0,1 1 0,5-2 0,-7 2 0,-5 0 0,-4 0 0,-10 0 0,-9-2 0,5 1 0,-12-1 0,8 0 0,-7 0 0,0-3 0,5 3 0,2 0 0,14 2 0,-1 0 0,13 0 0,-15-2 0,-9-1 0,-14 1 0,0 0 0,8 2 0,22 0 0,4 0 0,5 0 0,-3 0 0,-17 0 0,-9 0 0,-1 0 0,0 0 0,31 1 0,8-1 0,11 3 0,5-1 0,-11 2 0,2-2 0,-10 1 0,1 1 0,-3 0 0,6 3 0,6-4 0,2 4 0,7-3 0,-11 1 0,0-2 0,-16 1 0,-2 0 0,0-2 0,3 2 0,14-2 0,4 1 0,1 1 0,8-3 0,-7 4 0,6-3 0,-8 5 0,3 0 0,7-2 0,6 0 0,5-2 0,-9-2 0,-2 1 0,-5 1 0,0-1 0,3 0 0,4 0 0,6-1 0,7 0 0,6-1 0,1 0 0</inkml:trace>
+  <inkml:trace contextRef="#ctx0" brushRef="#br0">2265 66 24575,'-54'-5'0,"-26"2"0,16 2 0,-6 0 0,-8 1 0,-3 0-734,-3 1 1,-1 2 733,2-3 0,1 0 0,6 4 0,2-2-3808,13 0 1,0 0 3807,3 2 0,1 1 1798,-32-1-1798,-4 7 0,21-7 0,8 3 500,6 1-500,14-1 6784,7 2-6784,12-1 0,-3 2 0,4 3 0,-13 2 0,-6 3 0,-14 5 0,-8 1 0,-3 4 0,9-5 0,10 0 0,19-5 0,7 1 0,10-4 0,4-2 0,3 2 0,3-5 0,-3 5 0,0-2 0,-2 2 0,-1 4 0,0 0 0,1 3 0,-1 3 0,0-3 0,0 11 0,-2-6 0,1 18 0,0-4 0,2 9 0,3-2 0,1-2 0,4-3 0,0 3 0,2-5 0,-2 1 0,5 1 0,-2 3 0,3 13 0,0 12 0,-1 12 0,-1 9 0,-2 2 0,-2-4 0,0-5 0,0-4 0,0-4 0,0 8 0,0-3 0,2 3 0,2-7 0,5-6 0,-1-14 0,4-1 0,-5-17 0,2 3 0,-2-2 0,1-5 0,-3 5 0,0-1 0,0 0 0,-3 1 0,-1-1 0,1 1 0,0 3 0,0 3 0,-1 8 0,-1-3 0,0-2 0,0-9 0,4-5 0,0-2 0,0-8 0,2 5 0,2-5 0,4 8 0,5 5 0,8 9 0,1-4 0,1 0 0,-7-10 0,-4 1 0,-3 0 0,-2 6 0,-4-1 0,2 1 0,-4-10 0,4-2 0,0-3 0,2 0 0,0 1 0,-3-3 0,-2-5 0,1-2 0,-4-1 0,1 0 0,1 1 0,-1 0 0,0 3 0,1 6 0,0 4 0,4 7 0,-1-2 0,5 0 0,-2-6 0,2 1 0,3-2 0,3 6 0,6-3 0,3 1 0,6-5 0,2-5 0,1-4 0,-2-2 0,7 2 0,3-2 0,16 3 0,15-1 0,17-3 0,11-1 0,-45-10 0,0-1 0,-1 3 0,-1 1 0,48-1 0,-49 1 0,-1-2 0,44 2 0,-42-4 0,3 0 0,-3 0 0,0-3 0,5 1 0,0-2 0,-1-1 0,1 1 0,3 0 0,1-2 0,-7 2 0,2-2 0,5 1 0,-2-1 0,-6 2 0,-2 1 0,51-3 0,-9 3 0,-18 0 0,9 0 0,3 0 0,4 0 0,-41 0 0,1 0 0,45 0 0,-45-3 0,-2 1 0,47-7 0,-9-4 0,-12-4 0,-14 4 0,-1-4 0,-8 0 0,24-7 0,6-2 0,-32 13 0,2 3 0,-1-2 0,-1 3 0,51-4 0,-17-2 0,-17 4 0,-3-5 0,0-2 0,11-4 0,20-11 0,-44 20 0,2 2 0,1-2 0,1 0 0,0 5 0,-1 1 0,42-5 0,-18 4 0,-26 0 0,-16 3 0,-14-8 0,6-8 0,16-13 0,21-11 0,9-6 0,6 0 0,-19 10 0,-12 5 0,-10 4 0,-7 0 0,7-3 0,-1-14 0,8-11 0,11-17 0,3-8 0,-3 9 0,-7 5 0,-11 10 0,-8-2 0,-5-6 0,-6-5 0,-5-3 0,-4-12 0,-1 3 0,-6 4 0,2 8 0,-6 20 0,-1 1 0,-1 5 0,-3-3 0,-3-5 0,1-12 0,0-2 0,-2 2 0,4-6 0,-4 14 0,2-6 0,-2 6 0,0 6 0,-3-4 0,-2 6 0,-4 0 0,-1 1 0,-5 1 0,4-2 0,0 3 0,5-5 0,3 2 0,-3-6 0,0 1 0,-1 6 0,-4 2 0,5 9 0,-2 4 0,5 8 0,1 9 0,1 3 0,1 3 0,1-4 0,-1-1 0,-5-9 0,-2-2 0,-8-6 0,0-1 0,-1 0 0,0-3 0,0 2 0,-2 3 0,-5-4 0,6 12 0,-7-9 0,-4 5 0,-6-6 0,-9-2 0,1 0 0,1 3 0,5 6 0,-5-2 0,5 6 0,-2 1 0,-2 1 0,2 3 0,-8 1 0,0 2 0,-7 4 0,-14 0 0,-13-2 0,-19 0 0,48 4 0,0-1 0,-3 2 0,2-2 0,2 1 0,-1 0 0,2-1 0,1 2 0,-39-2 0,9-2 0,3 7 0,3-1 0,-4 6 0,0-3 0,7 3 0,-3 1 0,6 1 0,9 0 0,-3 0 0,9 1 0,-11 3 0,-5 1 0,2 1 0,2-1 0,-1 1 0,1 0 0,4-4 0,-11 1 0,13-3 0,-9 0 0,17 0 0,9 0 0,9 0 0,-5 2 0,2-2 0,-23 3 0,-11-3 0,-21 0 0,-11 0 0,7-3 0,16 2 0,25-1 0,18 2 0,18 0 0,2 0 0,6 0 0,0 0 0,-4 0 0,-8 0 0,-10 0 0,-8 0 0,-10 0 0,3 0 0,1 0 0,16 0 0,11 1 0,-20 3 0,-13 1 0,-19 0 0,-5 0 0,19 1 0,12-4 0,16 1 0,-3 1 0,-20 8 0,-12-2 0,-14 3 0,21-8 0,19 0 0,14-2 0,9 1 0,-24 14 0,-14 2 0,-15 7 0,-1-7 0,15-10 0,10-3 0,12-5 0,8 6 0,-13 10 0,12-2 0,-19 6 0,11-10 0,1-5 0,-3-1 0,8-3 0,9 1 0,5-4 0,-20 4 0,-17-1 0,-13 0 0,-12 0 0,7-1 0,10 0 0,14-1 0,25 1 0,0 15 0,4 2 0,-13 11 0,8-9 0,-1-1 0,1-3 0,2 4 0,1-6 0,3 0 0,6-7 0,-1 5 0,1-2 0,-3 6 0,-5 5 0,4-1 0,-5 3 0,6 0 0,2-2 0,2 3 0,3 0 0,2-1 0,-1 5 0,2 3 0,0 3 0,1 3 0,-1 2 0,1 2 0,1 7 0,1 4 0,1 1 0,0 2 0,0-5 0,-1 0 0,0-2 0,0-2 0,0 6 0,0-3 0,0 14 0,0-8 0,2 22 0,2-2 0,4 10 0,-2-5 0,-1-8 0,-2-13 0,-3-11 0,4-12 0,-2-1 0,2 2 0,-3 8 0,3 1 0,-4 1 0,2 0 0,-2-1 0,0 4 0,0-4 0,1 9 0,4-2 0,1 5 0,-1-11 0,3-5 0,-6-8 0,2-6 0,-3-7 0,0-4 0,0 3 0,2 3 0,0 2 0,0 0 0,0-4 0,0 7 0,1-2 0,-1 4 0,-1 1 0,1-1 0,0 2 0,3-2 0,1 0 0,0-2 0,4 5 0,2-1 0,-2-2 0,2 0 0,-4 1 0,-1 0 0,-1-1 0,0 3 0,-1-4 0,2 7 0,-1-10 0,3 9 0,-1-12 0,3 5 0,2 0 0,5 2 0,6 11 0,9 0 0,-3 1 0,-3-13 0,-5-2 0,-9-15 0,1 7 0,-4-6 0,2 7 0,-4-3 0,3 2 0,-3-4 0,1-5 0,3-1 0,4-3 0,6 0 0,12 1 0,27 1 0,28 5 0,-33-6 0,0 1 0,-1-1 0,2 0 0,-2 0 0,-1 0 0,35 3 0,-2 1 0,-18-3 0,-2-1 0,8-5 0,10 4 0,8-3 0,-37 0 0,-1-1 0,-2-2 0,1 0 0,7 1 0,0-1 0,-6 0 0,-1-1 0,50 3 0,-21-3 0,-12 0 0,-11 0 0,-6 0 0,5 0 0,-2 0 0,11 0 0,-4 0 0,-1 0 0,-9 0 0,-5 0 0,-8 0 0,4 0 0,-3 0 0,3-1 0,-4-2 0,-3-2 0,1 1 0,2 1 0,2-2 0,1 5 0,7-2 0,6 2 0,1 0 0,10 0 0,-2 0 0,12 0 0,-3 2 0,-4-1-6784,-5 2 6784,-21-3 0,-2 0 0,-10-3 0,1 1 0,17-1 0,7-1 0,14 0 6784,-9-2-6784,4-1 0,-6 2 0,2 1 0,-4 3 0,-11-6 0,-10 6 0,2-4 0,0 4 0,14-1 0,6 0 0,3 0 0,-5-2 0,-10-1 0,-10-1 0,-1-3 0,3-3 0,11 1 0,17 1 0,2 2 0,3 0 0,-19 2 0,-14-3 0,-11 2 0,-2-5 0,12-5 0,5-4 0,28-7 0,-4 2 0,8-3 0,-23 7 0,-17 5 0,-12 0 0,-4 3 0,5-3 0,6-4 0,11-5 0,-5 1 0,3-5 0,-14 2 0,1 1 0,-3-2 0,-2 4 0,-2 2 0,-5-2 0,1-1 0,1-9 0,1-3 0,6-8 0,-2-1 0,4 4 0,-4 0 0,1-1 0,-2-4 0,0-5 0,1-9 0,2-1 0,1-11 0,-2 9 0,-4-1 0,-4 15 0,-3 1 0,-4 6 0,-1 3 0,-3-1 0,-3 4 0,1-2 0,-2-1 0,1 2 0,-2-4 0,0-1 0,0-7 0,-2-1 0,-2-8 0,0 1 0,0 0 0,1 8 0,1 6 0,1-1 0,1 3 0,0-9 0,-2-3 0,-2 1 0,-1 2 0,-1 12 0,2 12 0,1 4 0,2 7 0,-2 0 0,-4-10 0,0-3 0,-3-2 0,4 3 0,1 12 0,4 5 0,-3-2 0,1-5 0,-3-10 0,-5-5 0,-5-9 0,-2-4 0,0 0 0,4 8 0,5 6 0,3 7 0,-2-3 0,-1-5 0,-7-2 0,-1-2 0,-5 4 0,1 3 0,4 10 0,-6-3 0,6 4 0,-9-5 0,-3-7 0,-6-4 0,-2-3 0,1 1 0,4 5 0,2 3 0,0 2 0,0-4 0,-7-3 0,3 2 0,-1-1 0,1 4 0,7 6 0,1 0 0,-3-2 0,-5-3 0,-3-2 0,-7 4 0,4 4 0,1 5 0,4 1 0,-2 0 0,6 7 0,-10-4 0,-6 2 0,-19-1 0,-12-2 0,-8 6 0,5 1 0,-1 3 0,15-1 0,-10-2 0,-3-1 0,-8 0 0,-11-3 0,5 5 0,7 2 0,17 1 0,16 4 0,19 0 0,-4 0 0,-5 0 0,-8 0 0,-20 0 0,1 0 0,-2 0 0,7 0 0,14-1 0,1 1 0,5-3 0,-7 3 0,-5 0 0,-5 0 0,-11 0 0,-8-2 0,4 0 0,-12 0 0,8-1 0,-8 0 0,1-3 0,5 3 0,2 1 0,15 2 0,-1 0 0,14 0 0,-16-3 0,-10-1 0,-14 2 0,-1-1 0,9 3 0,23 0 0,5 0 0,5 0 0,-4 0 0,-17 0 0,-10 0 0,-1 0 0,0 0 0,33 1 0,8-1 0,12 4 0,6-1 0,-13 2 0,3-2 0,-11 1 0,2 1 0,-4 0 0,6 4 0,7-5 0,2 5 0,8-4 0,-13 2 0,1-3 0,-17 1 0,-3 0 0,1-2 0,3 2 0,14-2 0,5 1 0,1 1 0,9-4 0,-8 6 0,6-5 0,-8 7 0,3 1 0,8-4 0,6 1 0,5-3 0,-9-3 0,-3 1 0,-5 2 0,1-1 0,2 0 0,5-1 0,6 0 0,7-1 0,7-1 0,1 0 0</inkml:trace>
 </inkml:ink>
 </file>
 
@@ -192,7 +201,91 @@
       <inkml:brushProperty name="color" value="#E71224"/>
     </inkml:brush>
   </inkml:definitions>
-  <inkml:trace contextRef="#ctx0" brushRef="#br0">2264 123 24575,'-35'0'0,"2"0"0,-6-3 0,1 1 0,0-3 0,-3 2 0,-5 2 0,-14-1 0,-22-1 0,-4 1 0,32 1 0,-1 0 0,0 1 0,-2 0 0,-12-4 0,-2 0-306,0 1 1,-1-1 305,-5-2 0,1-1 0,6 1 0,2 1 0,6 2 0,4 0 0,-28-2 0,25 5 0,16 0 0,5 0 0,-15 0 0,-20 0 611,-12 0-611,4 0 0,28 0 0,28 0 0,12 8 0,6-1 0,-5 4 0,6 0 0,2-3 0,0 2 0,0 2 0,1 0 0,1 4 0,1 2 0,0-1 0,0 6 0,-1 9 0,-1 10 0,1 8 0,-3 0 0,1-9 0,-1 1 0,-1 2 0,-1 9 0,-1 1-6784,-5 15 6784,4 4 0,1 15 0,8-18 0,0-2 0,2 7 0,0-22 0,0-6 0,0-20 0,0-3 0,0 2 6784,2-1-6784,-2 1 0,2-3 0,-2-2 0,-3-3 0,-4 4 0,-3 4 0,-2 9 0,3 3 0,0 4 0,7-2 0,-1-5 0,3-6 0,0-6 0,0-10 0,0-4 0,0-1 0,0 2 0,2 8 0,1 0 0,0 4 0,1 0 0,0 0 0,2 5 0,2-1 0,0-3 0,6 4 0,-1-5 0,8 11 0,-1-4 0,-1 2 0,-4-2 0,-2-3 0,-1 5 0,2-2 0,0 4 0,-2-4 0,0 5 0,-2 0 0,1 2 0,-2-5 0,-1-5 0,-1-4 0,5 4 0,1 3 0,0-1 0,-4-4 0,-3-7 0,-2 5 0,3 2 0,0 5 0,0-2 0,-1-4 0,-1-4 0,1 2 0,2 1 0,0 1 0,3 1 0,1-1 0,-1-2 0,2 1 0,-1-1 0,1-2 0,-1-1 0,-2-7 0,-3 2 0,4 1 0,-2 3 0,7 7 0,-1 2 0,8 2 0,0 1 0,3-4 0,2 0 0,4-1 0,5-2 0,1-1 0,6-3 0,2-5 0,6 0 0,4-3 0,0 0 0,0-2 0,-6-2 0,-5 3 0,4-3 0,-6 2 0,6-3 0,-2-1 0,-3 0 0,8-2 0,4 3 0,7-2 0,0 5 0,7 0 0,-17-1 0,3 3 0,-15-6 0,-1 2 0,2-2 0,2 2 0,9-2 0,12 0 0,8-2 0,8 2 0,-3 1 0,-3-1 0,-6 5 0,-12-7 0,-7 4 0,-15-6 0,6 3 0,3 0 0,16 3 0,3-4 0,5 4 0,-11-5 0,6 2 0,-11-2 0,17 3 0,-5-2 0,22 1 0,6-2 0,0 1 0,-2-1 0,-15 1 0,-12-2 0,-11 0 0,-9 0 0,-1 0 0,1 0 0,2 0 0,1 0 0,4 0 0,4 2 0,-4 0 0,1 2 0,-11-1 0,12-1 0,-1 4 0,5-4 0,-8 2 0,-7-2 0,-15-2 0,-8 0 0,-3 0 0,8 0 0,16 2 0,23 0 0,17 3 0,0-3 0,1 0 0,-28-2 0,-10 0 0,-20-1 0,-6-1 0,8 1 0,6-4 0,15 3 0,3-5 0,0 2 0,-10 0 0,-3 0 0,-5-2 0,16-1 0,9-3 0,12 2 0,-1-3 0,-16 3 0,-15 1 0,-15 1 0,-3-1 0,2-4 0,9-4 0,4-1 0,2-1 0,-4 2 0,-5 1 0,-6 3 0,-1-2 0,2-2 0,1-4 0,2-1 0,-2-1 0,3 0 0,0 0 0,-1-2 0,3-2 0,-9 0 0,6-2 0,-2-2 0,4 1 0,2-3 0,1-1 0,-3-2 0,-7 5 0,-4 0 0,-8 4 0,-1-5 0,-3-3 0,1-3 0,1 2 0,0-1 0,1-5 0,0 4 0,-2-5 0,1 7 0,-3 0 0,0 2 0,-1 2 0,2-2 0,-2 4 0,2 0 0,-2-1 0,0 1 0,-2-10 0,0 0 0,0-10 0,-1 7 0,2-1 0,0 8 0,1-2 0,-2 2 0,2-3 0,-5 1 0,3 2 0,-4-3 0,1 1 0,1 1 0,-1-1 0,0 0 0,-2-3 0,-2 0 0,-1 1 0,2 3 0,1-1 0,-4-5 0,3-1 0,-9-8 0,7 3 0,-7 0 0,4 4 0,-1 4 0,-2 2 0,1 3 0,-1 2 0,6 8 0,-2-3 0,5 6 0,-3-5 0,5-1 0,-1 1 0,0-4 0,-2 2 0,0 2 0,-4 3 0,4 7 0,1 4 0,2 6 0,1-1 0,-3 0 0,-5-5 0,-8-5 0,-4-1 0,-11-8 0,0 6 0,-2-3 0,6 10 0,6-1 0,5 6 0,-4-4 0,2 2 0,-16-3 0,6 1 0,-16 2 0,5 0 0,-15 3 0,-2-4 0,-8 3 0,-1-1 0,11 0 0,-10-5 0,9 2 0,-9-4 0,6 3 0,8 4 0,2-2 0,-3 4 0,3 1 0,-6-1 0,11 0 0,-7 0 0,-6 2 0,-9 0 0,-15-1 0,2 2 0,-9-4 0,15 5 0,3-5 0,10 5 0,7-2 0,1 0 0,-1 2 0,-3-4 0,-15 1 0,3 1 0,-6-3 0,9 3 0,5-1 0,1-1 0,4 0 0,-7-3 0,-13 0 0,-2-2 0,7 6 0,10-1 0,23 5 0,9 2 0,8 1 0,-2 0 0,-16 0 0,-10 0 0,-5 0 0,-11 0 0,7 0 0,-3 0 0,-1 0 0,10 0 0,-4 0 0,2 0 0,5 0 0,4 0 0,1 0 0,0 0 0,-6 0 0,-1 0 0,-6 0 0,-3 0 0,-12 0 0,-11 0 0,13 0 0,3 0 0,30 1 0,14 0 0,10 0 0,0 1-6784,-27-2 6784,-26 1-131,5 1 1,-3-2 130,-32 1 0,-2 1 0,65-2 0,21 1 0,5 1 6654,-13 4-6654,-4-1 391,-8 3-391,0-4 0,7 2 0,5-3 0,9 2 0,7-2 0,0 4 0,-1 1 0,-3 5 0,-3 2 0,-2 1 0,-8 3 0,0-2 0,-10 6 0,1-3 0,-3 1 0,3-2 0,6-3 0,4-2 0,0 1 0,4-1 0,-1 3 0,-3 2 0,7-1 0,-9 6 0,10-6 0,-3 0 0,4-3 0,2-4 0,3 0 0,-1-1 0,2 2 0,-2 0 0,-2 4 0,2-3 0,-4 7 0,-1-2 0,-4 8 0,0-4 0,-5 9 0,4-2 0,-3 7 0,4-4 0,5-2 0,0-5 0,2 1 0,2-3 0,2 2 0,4-3 0,0 2 0,3 0 0,-2 8 0,2 2 0,2 6 0,0 7 0,2-1 0,4 20 0,-1-2 0,4 11 0,-3-6 0,-1-12 0,-2-11 0,-3-9 0,0-10 0,-2 3 0,0-4 0,0 5 0,2 2 0,1 0 0,4 5 0,-1-5 0,1 4 0,-5-7 0,1 4 0,-1 1 0,3 5 0,3 7 0,3 0 0,-1-4 0,0-5 0,-4-12 0,-2-4 0,-1-7 0,-1-2 0,-1-2 0,-1 1 0,0 3 0,0 3 0,0 0 0,1 2 0,0 0 0,1-4 0,-1 0 0,0-9 0,-1-3 0</inkml:trace>
+  <inkml:trace contextRef="#ctx0" brushRef="#br0">2457 162 24575,'-38'0'0,"2"0"0,-6-4 0,1 1 0,-1-3 0,-2 2 0,-6 3 0,-15-2 0,-24-1 0,-4 1 0,34 2 0,-1 0 0,1 1 0,-3 0 0,-13-6 0,-2 1-306,0 1 1,-1-1 305,-6-3 0,2-1 0,6 1 0,2 1 0,6 3 0,6 0 0,-32-2 0,28 6 0,17 0 0,6 0 0,-17 0 0,-21 0 611,-14 0-611,5 0 0,31 0 0,29 0 0,14 10 0,6-1 0,-5 6 0,6-1 0,3-3 0,-1 2 0,1 3 0,0 0 0,2 5 0,1 3 0,-1-2 0,1 9 0,-1 11 0,-2 13 0,2 11 0,-3 0 0,0-12 0,-1 2 0,0 2 0,-2 12 0,-1 1-6784,-5 20 6784,4 5 0,1 21 0,9-25 0,0-2 0,2 9 0,0-29 0,0-8 0,0-27 0,0-3 0,0 2 6784,2-1-6784,-2 2 0,2-5 0,-2-2 0,-3-5 0,-5 6 0,-3 6 0,-2 11 0,4 4 0,-1 6 0,8-4 0,-2-6 0,4-7 0,0-9 0,0-13 0,0-5 0,0-1 0,0 2 0,3 11 0,0-1 0,0 6 0,1 0 0,1 1 0,1 5 0,3-1 0,0-3 0,6 4 0,-1-6 0,9 15 0,-2-6 0,0 3 0,-5-3 0,-2-3 0,-1 6 0,3-3 0,-1 6 0,-2-6 0,0 7 0,-2 0 0,1 2 0,-3-6 0,0-7 0,-1-5 0,5 6 0,1 3 0,0-1 0,-4-5 0,-4-10 0,-1 7 0,2 3 0,1 6 0,-1-2 0,0-6 0,-2-5 0,2 3 0,1 1 0,1 1 0,3 2 0,1-2 0,-1-2 0,2 1 0,-1-1 0,1-3 0,-1-2 0,-2-8 0,-3 2 0,4 2 0,-3 3 0,9 10 0,-2 2 0,9 3 0,0 1 0,3-5 0,3 0 0,3-1 0,7-3 0,0-1 0,6-5 0,3-5 0,7-1 0,4-4 0,-1 0 0,1-2 0,-7-3 0,-5 3 0,4-3 0,-6 3 0,6-4 0,-2-2 0,-3 0 0,8-2 0,5 3 0,8-2 0,-1 7 0,8-1 0,-19 0 0,4 3 0,-16-8 0,-2 3 0,3-3 0,1 3 0,11-2 0,13-1 0,8-3 0,9 4 0,-4 0 0,-2 0 0,-7 5 0,-14-8 0,-6 5 0,-17-8 0,6 4 0,4 0 0,17 4 0,3-5 0,6 4 0,-12-5 0,6 2 0,-11-3 0,18 4 0,-6-2 0,25 1 0,5-3 0,1 2 0,-2-2 0,-17 2 0,-12-3 0,-13 0 0,-9 0 0,-2 0 0,2 0 0,2 0 0,1 0 0,4 0 0,5 2 0,-5 1 0,1 2 0,-11-1 0,12-1 0,-1 5 0,6-5 0,-9 2 0,-7-3 0,-17-2 0,-8 0 0,-4 0 0,9 0 0,17 3 0,25 0 0,19 3 0,0-3 0,1 0 0,-31-3 0,-10 0 0,-22-2 0,-7 0 0,9 0 0,7-4 0,15 3 0,4-6 0,1 2 0,-12 1 0,-3-1 0,-6-2 0,18-2 0,10-3 0,13 2 0,-2-4 0,-16 4 0,-17 2 0,-17 0 0,-2 0 0,1-6 0,11-5 0,3-2 0,3 0 0,-4 2 0,-6 1 0,-6 4 0,-2-3 0,3-2 0,1-5 0,2-2 0,-3-1 0,4 0 0,1 0 0,-3-3 0,5-2 0,-11 0 0,7-3 0,-2-3 0,4 2 0,2-4 0,2-2 0,-4-2 0,-8 6 0,-3 1 0,-10 5 0,0-7 0,-4-4 0,1-4 0,1 3 0,1-2 0,0-6 0,0 5 0,-1-6 0,0 9 0,-3-1 0,0 4 0,-1 2 0,2-3 0,-2 6 0,3 0 0,-3-2 0,0 2 0,-3-13 0,1-1 0,0-13 0,-1 10 0,2-2 0,0 11 0,1-3 0,-3 3 0,3-4 0,-5 1 0,3 3 0,-5-4 0,2 1 0,1 1 0,-2 0 0,1-1 0,-3-4 0,-2 0 0,0 2 0,1 3 0,1-1 0,-4-6 0,4-2 0,-11-10 0,8 3 0,-7 1 0,4 5 0,-1 5 0,-3 3 0,2 4 0,-1 2 0,6 11 0,-2-4 0,5 8 0,-3-6 0,6-2 0,-2 1 0,1-5 0,-3 3 0,0 2 0,-4 5 0,5 8 0,0 6 0,3 8 0,0-2 0,-2 1 0,-6-7 0,-9-7 0,-4-1 0,-12-11 0,0 8 0,-2-3 0,6 12 0,7-1 0,5 9 0,-4-7 0,2 4 0,-17-5 0,7 2 0,-19 3 0,7-1 0,-17 5 0,-2-6 0,-9 4 0,-1-1 0,12 0 0,-11-7 0,10 3 0,-10-6 0,7 5 0,9 5 0,1-3 0,-3 5 0,4 2 0,-7-2 0,12 1 0,-8-1 0,-6 3 0,-10 0 0,-16-1 0,2 3 0,-9-6 0,15 6 0,4-5 0,10 5 0,9-2 0,0 0 0,-1 3 0,-3-5 0,-16 0 0,3 2 0,-7-3 0,10 3 0,6-2 0,1 0 0,4-1 0,-8-3 0,-13-1 0,-3-2 0,8 8 0,10-2 0,26 7 0,9 3 0,9 1 0,-2 0 0,-17 0 0,-12 0 0,-4 0 0,-13 0 0,8 0 0,-4 0 0,0 0 0,10 0 0,-4 0 0,3 0 0,4 0 0,5 0 0,1 0 0,0 0 0,-6 0 0,-2 0 0,-6 0 0,-3 0 0,-13 0 0,-12 0 0,13 0 0,5 0 0,31 1 0,16 1 0,11-1 0,-1 2-6784,-28-3 6784,-29 1-131,6 2 1,-4-3 130,-34 1 0,-3 2 0,71-3 0,23 1 0,5 1 6654,-14 6-6654,-4-1 391,-9 4-391,0-6 0,8 3 0,5-4 0,10 2 0,8-2 0,-1 6 0,0 0 0,-4 7 0,-3 3 0,-3 1 0,-8 4 0,0-2 0,-10 7 0,0-4 0,-3 2 0,3-3 0,7-4 0,4-2 0,0 1 0,5-2 0,-2 4 0,-3 4 0,8-3 0,-10 9 0,11-8 0,-4-1 0,5-3 0,2-5 0,3-1 0,0 0 0,1 1 0,-2 1 0,-2 5 0,3-4 0,-6 10 0,0-3 0,-4 10 0,-1-5 0,-5 12 0,5-3 0,-4 10 0,4-6 0,6-3 0,0-6 0,2 2 0,2-5 0,3 3 0,3-4 0,1 3 0,3 0 0,-2 10 0,2 3 0,2 7 0,0 10 0,3-1 0,3 26 0,0-2 0,4 14 0,-3-8 0,-2-16 0,-1-14 0,-4-12 0,0-14 0,-2 5 0,0-6 0,0 7 0,2 3 0,1-1 0,5 7 0,-2-6 0,2 5 0,-6-10 0,2 6 0,-2 1 0,3 7 0,4 9 0,3 0 0,-1-5 0,-1-7 0,-3-16 0,-3-5 0,0-9 0,-2-3 0,-1-2 0,-1 1 0,0 3 0,0 5 0,0 0 0,1 2 0,0 1 0,1-6 0,-1 0 0,0-12 0,-1-4 0</inkml:trace>
+</inkml:ink>
+</file>
+
+<file path=ppt/ink/ink4.xml><?xml version="1.0" encoding="utf-8"?>
+<inkml:ink xmlns:inkml="http://www.w3.org/2003/InkML">
+  <inkml:definitions>
+    <inkml:context xml:id="ctx0">
+      <inkml:inkSource xml:id="inkSrc0">
+        <inkml:traceFormat>
+          <inkml:channel name="X" type="integer" min="-2.14748E9" max="2.14748E9" units="cm"/>
+          <inkml:channel name="Y" type="integer" min="-2.14748E9" max="2.14748E9" units="cm"/>
+          <inkml:channel name="F" type="integer" max="32767" units="dev"/>
+        </inkml:traceFormat>
+        <inkml:channelProperties>
+          <inkml:channelProperty channel="X" name="resolution" value="1000" units="1/cm"/>
+          <inkml:channelProperty channel="Y" name="resolution" value="1000" units="1/cm"/>
+          <inkml:channelProperty channel="F" name="resolution" value="0" units="1/dev"/>
+        </inkml:channelProperties>
+      </inkml:inkSource>
+      <inkml:timestamp xml:id="ts0" timeString="2021-06-30T01:08:43.331"/>
+    </inkml:context>
+    <inkml:brush xml:id="br0">
+      <inkml:brushProperty name="width" value="0.05" units="cm"/>
+      <inkml:brushProperty name="height" value="0.05" units="cm"/>
+      <inkml:brushProperty name="color" value="#E71224"/>
+    </inkml:brush>
+  </inkml:definitions>
+  <inkml:trace contextRef="#ctx0" brushRef="#br0">4740 2642 24575,'-63'9'0,"1"-3"0,-13 2 0,-1-4 0,-15 0 0,-7-2 0,30-1 0,-1 0 0,13-1 0,-1 0 0,-17 0 0,0 0 0,10 0 0,1 0 0,-2 0 0,0 0 0,3 0 0,3 0 0,-28 0 0,18 2 0,20-2 0,-15 2 0,-9-2 0,-14-2 0,-5-1 0,8 1 0,-8-2 0,-4 0 0,38 1 0,-3-1 0,-7-3 0,-2-1 0,0 2 0,1-1 0,4 0 0,4 0 0,-30-2 0,20 4 0,22 1 0,-8 2 0,-6-1 0,-11 1 0,-2 0 0,-11 0 0,19 2 0,7 0 0,15 0 0,6 0 0,4 0 0,-10 0 0,4 0 0,-12 0 0,3 0 0,-2 0 0,5 0 0,11 0 0,1 0 0,1 0 0,-8 0 0,-2 0 0,-5 0 0,5 0 0,-7-3 0,6 0 0,-2-2 0,8 2 0,-1-2 0,-8-2 0,5-1 0,-2 0 0,18 2 0,6 1 0,4-1 0,0-2 0,-1-3 0,-4-4 0,2-2 0,-4-1 0,1-3 0,1-3 0,-2-5 0,5-6 0,-4-9 0,3-4 0,-3-6 0,6-2 0,0 2 0,8 5 0,-2-4 0,4 2 0,1-8 0,3 1 0,3 5 0,1 1 0,0 8 0,0-9 0,0 9 0,0-8 0,3 4 0,2-2 0,2 5 0,2-9 0,-2 8 0,2-4 0,-1 7 0,2 4 0,-3 2 0,0 1 0,1-3 0,4-4 0,4-8 0,6-4 0,-2 2 0,-1 5 0,-6 9 0,-1 3 0,-3 8 0,2 2 0,0 0 0,-1 2 0,1-1 0,-1-1 0,1 5 0,1-2 0,0 4 0,3-1 0,-1 0 0,9-2 0,-1-1 0,11-1 0,-4 1 0,0 4 0,-9 4 0,-1 5 0,1-2 0,5 4 0,19-6 0,5 3 0,24 0 0,-1-2 0,23 2 0,-17-5 0,3 5 0,-19 2 0,-4 2 0,0 3 0,3-1 0,5 1 0,-9-1 0,-2 1 0,-21 0 0,-8 1 0,-5 0 0,9 2 0,15-2 0,11 1 0,23-1 0,4 0 0,11 1 0,-19-2 0,-11 2 0,-19 0 0,-1 2 0,9 0 0,0 0 0,-1 0 0,13 2 0,1 0 0,20 4 0,-1 0 0,-10 0 0,0 0 0,-10-4 0,22 4 0,-37-5 0,2 1 0,7 0 0,0 0 0,-1 1 0,-2-2 0,37 0 0,-11 2 0,-15 0 0,21-1 0,9-1 0,-46 1 0,1-2 0,3 1 0,-1-1 0,34 2 0,-20-2 0,-10 0 0,-10 0 0,10 0 0,1 0 0,11 0 0,5 0 0,-8 0 0,-7 0 0,-28 0 0,-9 0 0,2 1 0,12 1 0,1 1 0,19 4 0,12 4 0,18 5 0,7 5 0,-13-2 0,-21-1 0,-22-7 0,-12-1 0,-11 2 0,10 12 0,6 14 0,19 19 0,-2 1 0,14 16 0,-18-20 0,4 13 0,-13-15 0,-3 4 0,1-2 0,-5-4 0,2 5 0,0 1 0,3 5 0,-7-7 0,-8-9 0,-9-14 0,-5 3 0,1-1 0,-3 3 0,1 3 0,-3-4 0,0 0 0,-3-3 0,-2 9 0,-5 2 0,-3 10 0,-1 4 0,1 0 0,2-6 0,1 0 0,3-10 0,-2-1 0,3-7 0,-1-8 0,1-6 0,1-3 0,-4 0 0,-1 3 0,-4 2 0,-1 7 0,0 0 0,3-1 0,2-6 0,4-7 0,2-1 0,-4-2 0,-2 5 0,-8 3 0,3 1 0,-7 6 0,4-2 0,-3 0 0,1-1 0,0-6 0,3-1 0,-7-1 0,-11 6 0,-12 2 0,-1 2 0,2-6 0,18-6 0,8-5 0,4-1 0,-4-1 0,-11 1 0,-14 5 0,-4-3 0,-1 3 0,-2 1 0,2-2 0,3 1 0,2-4 0,12-1 0,1-3 0,1 1 0,-7-1 0,1 1 0,0 0 0,-1 1 0,3-1 0,-2 1 0,-1 1 0,1 0 0,3-2 0,2 1 0,8-2 0,-5 1 0,7 0 0,-4 0 0,4-1 0,-6 2 0,-5-1 0,-7 3 0,4-5 0,-3 1 0,-2-2 0,-14 2 0,-7-2 0,7 0 0,4-1 0,12-1 0,-16 2 0,-2-2 0,-14 0 0,2 0 0,-7 2 0,3-2 0,-14 2 0,9-2 0,0-2 0,8 2 0,4-2 0,4 2 0,-13 0 0,-3 0 0,-11 0 0,-5 0 0,6 0 0,12 0 0,13 0 0,4 0 0,5 0 0,-4-2 0,-2 2 0,-6 0 0,-9 1 0,4 0 0,-9-1 0,25 0 0,-7 0 0,12 0 0,-3 0 0,9 0 0,4 0 0,10 0 0,2 0 0,5-1 0,-6 1 0,-9-3 0,-4 1 0,-29-2 0,-1-1 0,-11-1 0,13 0 0,20 0 0,22 4 0,12 0 0,8 0 0,-15-8 0,-20-7 0,-8-5 0,-17-8 0,9 7 0,1-4 0,4 8 0,13 1 0,15 9 0,2-1 0,2 0 0,-7-2 0,-2-5 0,-1 2 0,3-3 0,-1-1 0,-2-5 0,3 3 0,4 0 0,8 3 0,3-6 0,-2-8 0,-6-13 0,-2-2 0,3-2 0,6 7 0,7 8 0,5 6 0,2-3 0,1-1 0,0-8 0,0 5 0,1 0 0,2 7 0,0 1 0,3-2 0,-2 4 0,4-8 0,0-1 0,-2-4 0,0 2 0,-3 3 0,1 6 0,-2 0 0,2 2 0,-4-4 0,3-6 0,-1 1 0,0-12 0,-1 2 0,-1-11 0,0-8 0,-2-12 0,-6-11 0,-4-1 0,-2-6 0,1 8 0,6-4 0,-2 9 0,3 9 0,-1 15 0,3 9 0,2 12 0,2 9 0,0 7 0,0 5 0,2 1 0,1-3 0,3-4 0,4-4 0,4-5 0,2 0 0,7 0 0,1 2 0,0 3 0,-3 2 0,-1 6 0,5 1 0,-1 1 0,2 3 0,0 2 0,-4 2 0,12 3 0,8 1 0,11-1 0,13 4 0,-13-2 0,-1 1 0,-17 1 0,-4-2 0,-5 1 0,-2 1 0,1-1 0,15 1 0,7 0 0,4 0 0,-12 0 0,-17 0 0,-12 0 0,-9-1 0,2 0 0,14-1 0,30 1 0,30 2 0,22 3 0,-2 5 0,-6-1 0,-21 0 0,-2 1 0,-12-3 0,8 1 0,9 1 0,5-4 0,15 4 0,-12-4 0,2 2 0,-19-2 0,-7 0 0,-12-2 0,9-1 0,-2-1 0,8 0 0,3 0 0,4 0 0,15 2 0,-3 0 0,12 4 0,-6 0 0,3 3 0,3-3 0,-41-3 0,0 0 0,46 1 0,-4 1 0,-1-1 0,-12 0 0,4-2 0,-12 1 0,-12-2 0,-22 0 0,-9 1 0,5-2 0,18 1 0,18-1 0,15 0 0,-9 0 0,14 0 0,2 3-6784,-30-2 6784,-6 3-3033,-42-4 3033,13 4-34,20 2 1,8 1 33,40 2 0,-21-1 0,2 1 0,-13-1 0,-4-1 0,37 5 0,-37-1 0,-3 0 5249,20 0-5249,0 4 4507,-29-8-4507,-13 0 128,0-1-128,8 4 0,4-2 0,17 2 0,3-2 0,11 1 0,-6-1 0,-18 0 0,-24-2 0,-3 32 0,7 16 0,6 26 0,4-2 0,-17-10 0,-7-12 0,-10-6 0,-2-6 0,-4-2 0,0 0 0,2 5 0,0 1 0,0 2 0,-1 3 0,-3-5 0,0-3 0,0-1 0,0-13 0,0-1 0,0-12 0,0-1 0,-1 1 0,-2 3 0,-3 7 0,0-1 0,-3 2 0,0 5 0,-3 3 0,1 6 0,0-3 0,3-4 0,-1-4 0,1-3 0,1 1 0,-4 10 0,2 3 0,-2 10 0,1 2 0,4-9 0,0 1 0,1-10 0,1-6 0,-1-2 0,-2-5 0,4-1 0,-8 15 0,1 3 0,-7 18 0,-4-2 0,0-4 0,3-15 0,5-12 0,5-12 0,3-6 0,0 1 0,2-4 0,-2 1 0,0-2 0,-6 1 0,-1 2 0,-12 2 0,-3 3 0,-14 1 0,-15 3 0,-6-4 0,-7-3 0,5-2 0,11-3 0,-1 3 0,-6 0 0,0 1 0,-23 2 0,1 0 0,-10 0 0,1 1 0,18-2 0,16-3 0,13-1 0,6 0 0,-10-2 0,0 2 0,-7-1 0,2-2 0,-5 1 0,-3-1 0,-2 3 0,-3 0 0,2 0 0,-2-3 0,7 1 0,-8-2 0,9 2 0,-4-1 0,11 0 0,6 0 0,2-1 0,2-1 0,-13 2 0,-5-2 0,-13 0 0,-10 2 0,4-2 0,-1 2 0,-5-4 0,-2 0 0,-8-2 0,5 1 0,11 0 0,15 2 0,19 0 0,12 1 0,14 0 0,2 0 0,0 0 0,-5 0 0,-4 0 0,-20 0 0,-1 0 0,-17 0 0,4 0 0,-1 1 0,-8 0 0,-4 0 0,-23-1 0,9 0 0,7 0 0,23 0 0,16-1 0,8 1 0,-3-3 0,-5-1 0,-9 1 0,-16-4 0,-3 1 0,1 0 0,13 2 0,9 2 0,10 2 0,6 0 0,11 0 0,7 0 0,-1 0 0,-21 0 0,-2 0 0,-12 0 0,5 0 0,11 0 0,6 0 0,13 0 0,3 0 0,-10 3 0,-7-2 0,0 1 0,6-2 0,15 0 0,4 0 0</inkml:trace>
+</inkml:ink>
+</file>
+
+<file path=ppt/ink/ink5.xml><?xml version="1.0" encoding="utf-8"?>
+<inkml:ink xmlns:inkml="http://www.w3.org/2003/InkML">
+  <inkml:definitions>
+    <inkml:context xml:id="ctx0">
+      <inkml:inkSource xml:id="inkSrc0">
+        <inkml:traceFormat>
+          <inkml:channel name="X" type="integer" min="-2.14748E9" max="2.14748E9" units="cm"/>
+          <inkml:channel name="Y" type="integer" min="-2.14748E9" max="2.14748E9" units="cm"/>
+          <inkml:channel name="F" type="integer" max="32767" units="dev"/>
+        </inkml:traceFormat>
+        <inkml:channelProperties>
+          <inkml:channelProperty channel="X" name="resolution" value="1000" units="1/cm"/>
+          <inkml:channelProperty channel="Y" name="resolution" value="1000" units="1/cm"/>
+          <inkml:channelProperty channel="F" name="resolution" value="0" units="1/dev"/>
+        </inkml:channelProperties>
+      </inkml:inkSource>
+      <inkml:timestamp xml:id="ts0" timeString="2021-06-30T01:08:54.298"/>
+    </inkml:context>
+    <inkml:brush xml:id="br0">
+      <inkml:brushProperty name="width" value="0.05" units="cm"/>
+      <inkml:brushProperty name="height" value="0.05" units="cm"/>
+      <inkml:brushProperty name="color" value="#E71224"/>
+    </inkml:brush>
+  </inkml:definitions>
+  <inkml:trace contextRef="#ctx0" brushRef="#br0">2105 2746 24575,'-89'24'0,"15"-6"0,10-7 0,-1-5 0,11-3 0,0-1 0,22-2 0,8 0 0,-3 0 0,-13 0 0,-9 0 0,-10 0 0,-19 0 0,-12 0 0,38-1 0,0-2 0,-41-3 0,26 0 0,29-1 0,8 3 0,-4 1 0,-15-4 0,-2 5 0,0-4 0,11 4 0,5-4 0,0 0 0,-20-3 0,-6-2 0,-6 0 0,7 1 0,20 2 0,7 1 0,13 0 0,3 0 0,8 1 0,0-1 0,-2-3 0,-3-1 0,-5-6 0,1-2 0,1 0 0,3-7 0,0-4 0,-4-10 0,-3-9 0,2 2 0,5 3 0,3 5 0,5 9 0,-1-6 0,2 6 0,-1-11 0,1-1 0,-2-6 0,0 5 0,2 8 0,2 11 0,1-1 0,1-2 0,-3-11 0,-1-5 0,-1 0 0,-1 5 0,3-1 0,1 0 0,2-6 0,1 0 0,0-7 0,0 4 0,-2-1 0,-1-2 0,-2 3 0,-4-1 0,4 2 0,-1 10 0,4 1 0,1 8 0,1-3 0,0 6 0,1-3 0,-1 5 0,3 1 0,-3 5 0,1-1 0,-1-1 0,0-3 0,1-4 0,0-4 0,1-1 0,3-8 0,2-3 0,3-4 0,0 2 0,0 4 0,-1 5 0,-1 4 0,-1 5 0,-1 9 0,1 3 0,1 1 0,3 2 0,2-4 0,6-1 0,3-4 0,6-1 0,2-5 0,8-1 0,0-3 0,-1 2 0,-6 3 0,-9 7 0,-1 3 0,2 1 0,5 0 0,1 2 0,5-3 0,-11 7 0,-1-2 0,-9 6 0,-3 1 0,2 0 0,10 0 0,5-1 0,8-1 0,-2-1 0,-4 1 0,1 0 0,-4 0 0,7 1 0,6-1 0,11 2 0,6-1 0,20 0 0,-10 2 0,8 0 0,-9-1 0,-3 2 0,-6-2 0,7 1 0,-6 1 0,5 0 0,0 1 0,4-2 0,-3 1 0,-14 0 0,-18 1 0,-23 0 0,-5 0 0,6 0 0,30-2 0,12 1 0,33 0 0,2 1 0,-12 0 0,-9 0 0,-22 0 0,8-2 0,3 2 0,4-4 0,4 4 0,-12-3 0,-4 3 0,3-2 0,1 2 0,6 0 0,5 0 0,-3 0 0,14 0 0,5 0 0,5 2 0,0-2 0,-15 2 0,-16-2 0,-3 0 0,-10 0 0,10-2 0,0 2 0,2-2 0,-11 2 0,0 0 0,7 0 0,3-1 0,2 0 0,-11 0 0,-6-1 0,1 2 0,23-3 0,8 1 0,2-1 0,-4 0 0,-26 3 0,-7-3 0,-15 3 0,-6-1 0,8-1 0,15 0 0,17-3 0,7 3 0,15-3 0,-11 2 0,7 0 0,-15 1 0,-3 0 0,-14 2 0,-7 0 0,2 0 0,-3 0 0,8 1 0,3 1 0,1 3 0,10 2 0,-7 1 0,3 1 0,-4-1 0,11 0 0,14 2 0,0 1 0,-5-3 0,-11 1 0,-21-6 0,-7 0 0,-15 0 0,1 8 0,3 8 0,5 8 0,9 11 0,3 8 0,10 11 0,3 5 0,-1 3 0,-5-6 0,-10-10 0,-7-7 0,-9-14 0,-4-2 0,-3-4 0,0 7 0,-1-3 0,2 5 0,-1-6 0,-2-3 0,-1 2 0,0 1 0,-1 4 0,0 9 0,0 4 0,1-3 0,1-6 0,-1-9 0,2-4 0,-2-1 0,-2 5 0,1-1 0,-2 5 0,0 2 0,-2 2 0,2-2 0,-1 3 0,1-8 0,0 4 0,0-6 0,0 3 0,0-2 0,0-1 0,2 2 0,0-5 0,1 4 0,0-4 0,-2 1 0,2-2 0,-2 1 0,1-1 0,0 3 0,1 1 0,0-1 0,0 1 0,-1 6 0,-2 4 0,-5 7 0,-2 2 0,-5 4 0,1 2 0,-1 0 0,1-3 0,2-7 0,1-8 0,0-2 0,0-7 0,-1-2 0,-4 2 0,-1 1 0,-1 1 0,2 0 0,4-5 0,0-3 0,1-1 0,0-4 0,0 3 0,-2-2 0,-4 5 0,-1 0 0,-2 0 0,-2 0 0,2-4 0,-4 1 0,-3 0 0,-7 1 0,-13 5 0,3-2 0,-16 4 0,8-3 0,-11 1 0,2-4 0,-7-2 0,5-2 0,-12 1 0,10-3 0,-4-1 0,6-1 0,8-1 0,2 1 0,-6 0 0,-1 0 0,1 1 0,10-3 0,13 0 0,10-1 0,3-1 0,-5 2 0,-18 3 0,-14-1 0,-13-1 0,-3 0 0,9-6 0,-3 2 0,13-2 0,6 1 0,5-1 0,-2 2 0,1-1 0,-9 1 0,16 0 0,-2 1 0,7-3 0,-6 3 0,1-3 0,3 3 0,2-1 0,3 1 0,-6 0 0,-10-1 0,-5 1 0,-6-1 0,1 2 0,5-2 0,7 1 0,6-3 0,-2 1 0,-7-1 0,-5 0 0,-11 2 0,6-2 0,-5 4 0,2-4 0,8 2 0,7-1 0,6-1 0,7 2 0,-4-1 0,1-1 0,-7 3 0,-7-2 0,2 0 0,-7-1 0,15 2 0,3-2 0,12 1 0,11-1 0,3 0 0,-4 0 0,-10 0 0,-11 0 0,-8 0 0,-7 0 0,9 0 0,-1-1 0,12 1 0,-8-3 0,-4 3 0,-9-4 0,-1 4 0,10-2 0,5 2 0,7 0 0,-6-1 0,-7-1 0,-6-1 0,0-2 0,-3 1 0,13-2 0,1 2 0,11-1 0,5 0 0,0-2 0,-2 1 0,6-1 0,6 3 0,6-8 0,-2-9 0,-2-6 0,-9-9 0,-2 0 0,-2 3 0,1 0 0,7 13 0,5 5 0,2 0 0,-4-2 0,-4-7 0,-5-6 0,-4-6 0,2-5 0,0 1 0,2 1 0,2 2 0,-1-2 0,2-1 0,3 0 0,3 5 0,1-8 0,-1-2 0,-2-16 0,-3-3 0,2 0 0,-1 4 0,7 15 0,1 10 0,7 15 0,2 8 0,1 6 0,0 1 0,0 0 0,0-4 0,1-5 0,1-6 0,2-3 0,1-5 0,1 3 0,2-2 0,-1 1 0,-1-4 0,-1-4 0,-4 0 0,2-1 0,-1 5 0,1-5 0,-2 1 0,2-9 0,-1 1 0,1-1 0,-1 7 0,1 1 0,-1 2 0,2-5 0,1-4 0,4-6 0,-1-2 0,0 2 0,0-4 0,-1 7 0,0-3 0,1 9 0,-2 6 0,0 8 0,-3 6 0,1 3 0,-1 4 0,1 1 0,1 0 0,0-1 0,0 1 0,4-5 0,-1 0 0,2-3 0,1-1 0,-1 0 0,-1 2 0,3 0 0,0 3 0,5-1 0,4-1 0,1-1 0,-3 4 0,2-5 0,-3 3 0,9-3 0,3 0 0,2 4 0,11-3 0,0 3 0,8-3 0,8 2 0,-9 4 0,19 0 0,4 3 0,1 5-6784,15 0 6784,-9 2-4537,6 1 4537,-6 0 0,-11 1 0,-12 0 0,-24 0 0,5 1 0,2 1 4537,23 3-4537,10-1 6784,13 2-6784,1-2 0,-1 0 0,5 2 0,-18-2 0,-5 2 0,-17-2 0,-3-3 0,18 3 0,12-2 0,13 4 0,-14-2 0,-13 0 0,-24-2 0,-5-2 0,-10 0 0,-8 0 0,-1 0 0,-4 0 0,15-2 0,12 2 0,12-2 0,9 2 0,10 0 0,7 0 0,-23 0 0,2 0 0,34 0 0,-3 0 0,-38 0 0,-26 0 0,-12 0 0,-4 0 0,8 0 0,21 0 0,18 0 0,11 0 0,-11 0 0,-16 0 0,-13 0 0,-1 0 0,-2-1 0,5 0 0,1-2 0,3 0 0,3 1 0,3-1 0,-1 2 0,-8-2 0,0 1 0,9-1 0,33 1 0,-5 0 0,9 1-739,15-1 0,6 0 739,-24 0 0,2 1 0,-2 0 0,23 0 0,-5-1 0,-24 1 0,-8 0 0,9 1 0,-13 1 0,-5 4 0,6 1 0,13 0 0,3 1 0,4 2 0,-4 0 0,29 4 0,-55-7 1478,-32-2-1478,-3 15 0,3 6 0,7 18 0,4-2 0,-6-9 0,-3-8 0,-7-8 0,-3-5 0,-2-1 0,-1 1 0,-1 4 0,1 10 0,-1 13 0,0 10 0,0 6 0,-1-6 0,1-4 0,-2-12 0,2 1 0,-1-6 0,1 1 0,-3-2 0,1 2 0,-1-2 0,0 7 0,2 1 0,-3 6 0,-1-1 0,-5-2 0,-2 0 0,-1-2 0,0 8 0,3-1 0,2 3 0,5-8 0,-1-7 0,2-8 0,1-3 0,-2 6 0,3 2 0,-2 5 0,2-2 0,-1-5 0,1-2 0,-1 0 0,1 0 0,1 4 0,-1 0 0,2 2 0,-2 1 0,-3 6 0,-2-2 0,-2 6 0,-2-1 0,4-1 0,0-2 0,4 1 0,1-1 0,0 6 0,0 3 0,0-2 0,-2 3 0,2-7 0,-2 7 0,2-9 0,0 1 0,-1-10 0,1-4 0,-2-6 0,0-2 0,0 0 0,-1-1 0,0 2 0,-1-1 0,-3 3 0,-7 7 0,-6 11 0,-3 2 0,-1 3 0,3-10 0,6-7 0,3-8 0,4-8 0,0-2 0,-2-2 0,-5 2 0,-4 1 0,-5-1 0,-2 1 0,-6-3 0,-13 3 0,-17-2 0,-19 0 0,-1 0 0,10-4 0,15 1 0,5-1 0,1 0 0,-2 0 0,8-2 0,6 1 0,5 1 0,-13 1 0,-7 4 0,-17-2 0,0 4 0,7-4 0,0 3 0,10-1 0,-9 0 0,0 2 0,-8-1 0,-4 0 0,7-2 0,-1-4 0,10-1 0,0-1 0,4 0 0,1 2 0,7-2 0,-7 4 0,-3-4 0,-15 2 0,-15-2 0,-4 0 0,9 0 0,6 0 0,20 0 0,6 0 0,8 0 0,5 0 0,-3 0 0,0 0 0,-21 0 0,-11 0 0,23-1 0,-3 2 0,-3 0 0,0 0 0,1-1 0,1 0 0,-41 4 0,6-2 0,12 2 0,-2 0 0,8 0 0,6-2 0,3 1 0,5-1 0,-5 0 0,-9 0 0,-8-2 0,-9 0 0,9 0 0,11 0 0,8 0 0,6 0 0,-3 0 0,-14 0 0,-8-2 0,-4 1 0,-13-3 0,18 4 0,6-3 0,20 2 0,24 0 0,10 1 0,10 0 0,-4 0 0,-9 0 0,-9 0 0,-2-1 0,4-1 0,13 1 0,4-1 0,-8-14 0,-26-16 0,-9-5 0,-20-7 0,37 28 0,10 2 0</inkml:trace>
+</inkml:ink>
+</file>
+
+<file path=ppt/ink/ink6.xml><?xml version="1.0" encoding="utf-8"?>
+<inkml:ink xmlns:inkml="http://www.w3.org/2003/InkML">
+  <inkml:definitions>
+    <inkml:context xml:id="ctx0">
+      <inkml:inkSource xml:id="inkSrc0">
+        <inkml:traceFormat>
+          <inkml:channel name="X" type="integer" min="-2.14748E9" max="2.14748E9" units="cm"/>
+          <inkml:channel name="Y" type="integer" min="-2.14748E9" max="2.14748E9" units="cm"/>
+          <inkml:channel name="F" type="integer" max="32767" units="dev"/>
+        </inkml:traceFormat>
+        <inkml:channelProperties>
+          <inkml:channelProperty channel="X" name="resolution" value="1000" units="1/cm"/>
+          <inkml:channelProperty channel="Y" name="resolution" value="1000" units="1/cm"/>
+          <inkml:channelProperty channel="F" name="resolution" value="0" units="1/dev"/>
+        </inkml:channelProperties>
+      </inkml:inkSource>
+      <inkml:timestamp xml:id="ts0" timeString="2021-06-30T01:09:07.608"/>
+    </inkml:context>
+    <inkml:brush xml:id="br0">
+      <inkml:brushProperty name="width" value="0.05" units="cm"/>
+      <inkml:brushProperty name="height" value="0.05" units="cm"/>
+      <inkml:brushProperty name="color" value="#E71224"/>
+    </inkml:brush>
+  </inkml:definitions>
+  <inkml:trace contextRef="#ctx0" brushRef="#br0">0 2087 24575,'22'-52'0,"-4"-17"0,8-21 0,-9 3 0,-10 27 0,-2 13 0,-1 10 0,-3 13 0,-1 6 0,0 4 0,0 1 0,0 1 0,0 1 0,0-8 0,0-4 0,0-9 0,-1-2 0,1 2 0,-2 7 0,3 5 0,1-1 0,1-6 0,-2-9 0,1-4 0,-1 2 0,0 7 0,1 4 0,-2 5 0,3-3 0,-3 0 0,3 1 0,-3 4 0,1-1 0,-1-1 0,0 3 0,0-2 0,-1 5 0,1 2 0,-1 1 0,0 2 0,1 0 0,-2 0 0,2-3 0,0-1 0,0-3 0,0-5 0,0 0 0,2-2 0,-2 7 0,1 2 0,-1 4 0,1-4 0,1 3 0,0-2 0,1 5 0,0 1 0,2-1 0,3-3 0,7-10 0,1-8 0,5-3 0,-5-1 0,-2 11 0,-3 6 0,-1 3 0,-1 3 0,2-2 0,3-2 0,2-3 0,2 0 0,-1 4 0,-5 4 0,-2 3 0,-2 3 0,2 0 0,4 0 0,4-3 0,2-1 0,3-5 0,-2 1 0,-3 2 0,-3 3 0,-2 3 0,2 0 0,7 2 0,4-2 0,12 1 0,-2 0 0,5-1 0,-9 1 0,0-1 0,-9 1 0,0 0 0,-2 1 0,5-1 0,-1 1 0,6 0 0,1 0 0,4 1 0,-6 1 0,-9 1 0,-11-2 0,0 2 0,10-2 0,20 0 0,28-2 0,14 2 0,-32 1 0,0 0 0,33 1 0,4 0 0,-22 0 0,-2 0 0,-15 0 0,-5 0 0,-15 0 0,-1-1 0,-1 0 0,3-1 0,6 1 0,-1-1 0,0 1 0,5 0 0,-2 1 0,10-2 0,-4 1 0,3-1 0,-1-1 0,-3 1 0,6-1 0,-1 1 0,4 0 0,-4 2 0,-8 0 0,-1 0 0,4 0 0,18 0 0,16 0 0,17 0 0,2 0 0,-19 0 0,-16 0 0,-32-1 0,-9 1 0,-10-1 0,-1 1 0,7 0 0,6 0 0,15 0 0,1 0 0,5 0 0,-4 0 0,4 0 0,1 0 0,31 0 0,8 0 0,12 0 0,-8 0 0,-28 1 0,-18 0 0,-22 0 0,-11-1 0,-2 0 0,7 0 0,16 0 0,16 0 0,12 0 0,-6 1 0,-14 0 0,-17 0 0,-10-1 0,22 2 0,12 2 0,21 3 0,-7 1 0,-16-2 0,-16-1 0,-7-3 0,-3 1 0,0-2 0,-1 1 0,3-1 0,11 0 0,-2-1 0,1 0 0,-13 0 0,-6 0 0,0 0 0,15 0 0,5 0 0,3 0 0,-7 0 0,-13 0 0,-4 0 0,-4 0 0,1 0 0,10 0 0,7 0 0,13 0 0,-4 0 0,-1 0 0,-13 1 0,-6-1 0,-5 1 0,15 4 0,21 1 0,7 6 0,5-4 0,-18 2 0,-10-5 0,-3 2 0,0-2 0,-1 1 0,-2-2 0,-4 0 0,-6-3 0,-3 1 0,1 1 0,15 6 0,9 2 0,8 2 0,-5 1 0,-12-6 0,-6 0 0,-4-2 0,1 2 0,1 0 0,-1 3 0,-3-3 0,-2 1 0,-4-2 0,-1 3 0,1 4 0,3 5 0,5 7 0,0-1 0,1-2 0,-6-7 0,-1-3 0,-4-1 0,2 1 0,0 3 0,0-1 0,1 5 0,2 4 0,1 3 0,0 3 0,1-4 0,-2-3 0,-1-6 0,-2 0 0,-2-6 0,1 6 0,-1-1 0,1 6 0,1 0 0,0 3 0,2-2 0,-1 1 0,-1 2 0,0 0 0,-1-1 0,2 6 0,-1-4 0,-1 8 0,3 1 0,-2 2 0,0 0 0,-2-6 0,0-5 0,-1-2 0,0 0 0,1 10 0,-1 4 0,1 4 0,0-4 0,-2-8 0,1-5 0,-1-1 0,2-3 0,-2-3 0,0 6 0,0-2 0,1 7 0,-1-3 0,2-6 0,-2-6 0,0-8 0,-2-1 0,2-2 0,-2 3 0,1 1 0,-2 4 0,-2 3 0,-2 7 0,-4 6 0,-1 6 0,0 0 0,3-4 0,0-4 0,4-7 0,1-2 0,-1-5 0,1 1 0,-1-2 0,0 1 0,0 0 0,0-1 0,0 0 0,0-1 0,0 3 0,-2-2 0,1-1 0,-3 2 0,1-2 0,0 2 0,0-1 0,3-1 0,-2-1 0,0 0 0,-6 5 0,-2 0 0,-7 5 0,0 0 0,2-2 0,3-3 0,4-3 0,3-3 0,0 0 0,-1 0 0,-4 1 0,-1 1 0,-7 4 0,-1 1 0,1 0 0,4-4 0,3-2 0,1 0 0,-1 2 0,-3 3 0,1-1 0,-9 2 0,-2 2 0,-8 1 0,4-2 0,3-4 0,7-6 0,4 0 0,4-2 0,-5 3 0,-3-1 0,-11 4 0,2-3 0,3 0 0,5-1 0,3-3 0,-1 2 0,-4 0 0,-28 3 0,5-2 0,-28 3 0,22-5 0,1 2 0,16-3 0,7-2 0,3 2 0,-13-1 0,-15 0 0,-12-1 0,2-1 0,19 0 0,11 0 0,12 0 0,-3 0 0,-7 2 0,-3-2 0,-7 2 0,4-2 0,-7 0 0,11 0 0,-1 0 0,-1 0 0,0 0 0,-18 0 0,6 0 0,-7 0 0,9 0 0,-6 0 0,8 0 0,1 0 0,2 0 0,2 0 0,-12 0 0,-8 0 0,2 1 0,7 0 0,15 1 0,15-1 0,7 1 0,-1-2 0,-9 3 0,-14-1 0,-25 3 0,-10-2 0,-12 4 0,8-6 0,10 4 0,8-3 0,11 0 0,-7 0 0,0-1 0,-14 0 0,-9 2 0,1 0 0,17-1 0,6 0 0,16-2 0,0 1 0,-3-1 0,4 3 0,5-3 0,1 2 0,5-2 0,-4 0 0,0 0 0,-2 0 0,0 0 0,-10 0 0,-10 0 0,3 0 0,0 0 0,18 0 0,8 0 0,4 0 0,-4 0 0,-12-2 0,-10 0 0,-17-1 0,-2-1 0,3-1 0,6-1 0,18 0 0,8 1 0,11 1 0,7 0 0,-3 2 0,-1-2 0,-3 0 0,4 1 0,1-1 0,4 2 0,0-1 0,3 1 0,-2-2 0,0-1 0,-12-6 0,-11-4 0,-6-3 0,-1 2 0,11 4 0,11 4 0,8 2 0,0-6 0,-6-5 0,-2-4 0,-5-4 0,3 5 0,3 2 0,1 6 0,7 3 0,3 4 0,2 1 0,-1-4 0,-3-5 0,-5-6 0,0-3 0,-1 3 0,4 1 0,4 6 0,0-1 0,2 1 0,-2-4 0,-1 1 0,1-3 0,1 5 0,1 1 0,2 0 0,0-2 0,0-2 0,1-2 0,-3-3 0,2 0 0,-1 1 0,1 1 0,1-1 0,0 4 0,0-5 0,0-2 0,0-5 0,0-4 0,3-2 0,-1 2 0,2-5 0,-1 3 0,-1-4 0,1 4 0,-2 3 0,2 3 0,2-7 0,-2-7 0,4-9 0,-2-3 0,-1 8 0,1 8 0,-4 12 0,1 2 0,0 5 0,0-1 0,0-1 0,1-3 0,-1 3 0,0-3 0,0 3 0,1-1 0,-1 4 0,1-2 0,0 6 0,-1-6 0,3-3 0,-1-7 0,3-10 0,1-11 0,1-5 0,0 2 0,-1 3 0,-4 10 0,-1 1 0,0 8 0,0 2 0,1 6 0,0 0 0,1-2 0,1 1 0,0-1 0,2 4 0,-1 4 0,1 2 0,-1 3 0,2-4 0,1-1 0,7-5 0,2-3 0,1 5 0,-3 2 0,-8 10 0,-3 2 0,2-2 0,4-4 0,3-1 0,7-6 0,-3 4 0,1 0 0,-3 4 0,-1 1 0,0 1 0,6-5 0,6-2 0,12-8 0,-1 3 0,0 0 0,-10 10 0,-7 2 0,-5 6 0,-6-1 0,0 2 0,3-3 0,9-2 0,4-2 0,10 0 0,9 0 0,10 1 0,1 1 0,-2 3 0,-13 3 0,-4 0 0,-6 1 0,1 0 0,29 1 0,21 2 0,-20-2 0,4 0 0,-4 2 0,1 1 0,9-2 0,-1 0 0,-8 0 0,-2 1 0,-4 0 0,-2 0 0,38-2 0,-36 2 0,-19-2 0,-19 0 0,-7 0 0,-2 0 0,4 1 0,7 0 0,5 0 0,8-1 0,6 0 0,2 0 0,7 0 0,-9 0 0,3 0 0,-3 0 0,23-2 0,20-1 0,13-1 0,-45 3 0,-2 0 0,29-3 0,-21 4 0,-16-2 0,-10 1 0,8 1 0,9-2 0,17 2 0,-1 2 0,11-2 0,-23 3 0,-12-2 0,-21 0 0,-12-1 0,4 0 0,10 0 0,7 0 0,17 0 0,6 0 0,2 0 0,-4 0 0,-15 0 0,-6 0 0,-6 0 0,8 0 0,7 0 0,12 0 0,-7 0 0,3-1 0,-17 0 0,-5 0 0,-4 1 0,4 0 0,21 0 0,15 2 0,31 2 0,-5 1 0,-1 1 0,-21-3 0,-18 1 0,-6-1 0,2 0 0,10 1 0,20 1 0,-2 3 0,-2 0 0,-30-1 0,-20-4 0,-13-2 0,-1 1 0,6 6 0,6 7 0,3 3 0,-1 1 0,-6-4 0,-4-3 0,-2 1 0,1 1 0,0-1 0,3 4 0,2 1 0,-2 2 0,0-5 0,-5-2 0,-2-3 0,-1 0 0,1 2 0,0 2 0,3 4 0,2 3 0,-2 0 0,1-1 0,-5-5 0,0-2 0,0 3 0,-1 1 0,1 0 0,-1 0 0,0 1 0,0 1 0,0 5 0,0 2 0,0 3 0,1-3 0,-2 3 0,2-2 0,-2 1 0,0 7 0,1 2 0,2 1 0,2-6 0,1-6 0,-2-7 0,0-2 0,-2-1 0,2-1 0,-2-1 0,3 8 0,-3 4 0,3 5 0,0 4 0,0-5 0,-1-2 0,-2-8 0,0 1 0,-2-3 0,3 3 0,-3-1 0,3-1 0,-2 0 0,1 1 0,-1 3 0,-1 1 0,0 1 0,0-1 0,0-5 0,1 2 0,1 0 0,0 4 0,0-2 0,-1 0 0,-2 0 0,0-2 0,-1 6 0,1-2 0,1 8 0,0-1 0,-3 2 0,-1-4 0,-5 1 0,-2-1 0,-1 2 0,1 0 0,2-4 0,4-5 0,2-1 0,1-7 0,-1 1 0,-2-3 0,-3 3 0,-1-3 0,-3 6 0,2-4 0,2 1 0,-1-2 0,3-1 0,-3 1 0,1-4 0,0 2 0,2-4 0,2-1 0,0 0 0,2-1 0,-2 0 0,0 5 0,-2 1 0,-1 2 0,-1-1 0,-1 0 0,3-2 0,1-2 0,1 0 0,1-2 0,-1 4 0,-4 4 0,-2 4 0,-1 1 0,-2 1 0,2 0 0,1-1 0,1 0 0,-1-2 0,2-3 0,-5 3 0,-1-1 0,-2 0 0,1-4 0,2-3 0,1-4 0,-2 2 0,-10 1 0,-3 0 0,-3 1 0,-1-2 0,1 1 0,5-2 0,-4 2 0,6-2 0,-6 0 0,-11 1 0,-12 3 0,-7-1 0,3 2 0,7-4 0,2 1 0,2-3 0,1-1 0,-2-3 0,9 0 0,-21-2 0,0 0 0,-18 1 0,-7 2 0,0-1 0,8 0 0,-7-2 0,9 0 0,-8 0 0,10 1 0,10 0 0,20 0 0,4 1 0,12-2 0,-4 3 0,-3-3 0,-11 1 0,-27-1 0,-8 2 0,27-2 0,-1 1 0,-38 2 0,10-2 0,18 0 0,15-1 0,12 0 0,-8 2 0,1 0 0,-14 1 0,-8 1 0,-4 0 0,1 1 0,-17-2 0,5 2 0,-13-3 0,21 2 0,13 0 0,17-1 0,7 0 0,-1-1 0,-3-1 0,-7 1 0,-9-2 0,-4 3 0,2-2 0,-3 0 0,-2-1 0,1-1 0,2 0 0,7-2 0,13 3 0,-4-2 0,12 2 0,-4-1 0,1 1 0,-1-3 0,0 3 0,10-3 0,3 3 0,7-1 0,-1 1 0,2-1 0,1 0 0,1 0 0,-18 0 0,-23-3 0,-19-2 0,-5-2 0,-1 0 0,22 2 0,-2 0 0,19 2 0,11 0 0,13 2 0,-2 0 0,-25-4 0,-4 0 0,-13-3 0,8 1 0,10 0 0,-1-1 0,8 3 0,14 2 0,6-16 0,-5-20 0,2 0 0,-6-8 0,5 22 0,4 5 0,6 6 0,2-5 0,5-2 0,0-4 0,0-3 0,0 8 0,0 4 0,0 0 0,0 2 0,0-4 0,0 0 0,1-3 0,1 6 0,0-3 0,1 4 0,0-4 0,2 0 0,-1-1 0,3 1 0,-3-1 0,3-4 0,-2-5 0,1-1 0,-1 0 0,-1 7 0,1 2 0,-1 0 0,-2-3 0,1-6 0,2 0 0,1-2 0,-1 5 0,0-2 0,-2 3 0,-1-7 0,-1-6 0,-1-6 0,2-3 0,-2-9 0,2 5 0,-2-3 0,0 5 0,2 7 0,0 3 0,4 11 0,-3 4 0,2 5 0,-1 1 0,1 1 0,-3 4 0,-1 4 0,0-2 0,2 6 0,-1-1 0,0 6 0</inkml:trace>
 </inkml:ink>
 </file>
 
@@ -343,7 +436,7 @@
           <a:p>
             <a:fld id="{5E1D577D-D52D-954C-B032-42F3BAB29110}" type="datetimeFigureOut">
               <a:rPr lang="en-US" smtClean="0"/>
-              <a:t>6/27/21</a:t>
+              <a:t>6/29/21</a:t>
             </a:fld>
             <a:endParaRPr lang="en-US"/>
           </a:p>
@@ -541,7 +634,7 @@
           <a:p>
             <a:fld id="{5E1D577D-D52D-954C-B032-42F3BAB29110}" type="datetimeFigureOut">
               <a:rPr lang="en-US" smtClean="0"/>
-              <a:t>6/27/21</a:t>
+              <a:t>6/29/21</a:t>
             </a:fld>
             <a:endParaRPr lang="en-US"/>
           </a:p>
@@ -749,7 +842,7 @@
           <a:p>
             <a:fld id="{5E1D577D-D52D-954C-B032-42F3BAB29110}" type="datetimeFigureOut">
               <a:rPr lang="en-US" smtClean="0"/>
-              <a:t>6/27/21</a:t>
+              <a:t>6/29/21</a:t>
             </a:fld>
             <a:endParaRPr lang="en-US"/>
           </a:p>
@@ -947,7 +1040,7 @@
           <a:p>
             <a:fld id="{5E1D577D-D52D-954C-B032-42F3BAB29110}" type="datetimeFigureOut">
               <a:rPr lang="en-US" smtClean="0"/>
-              <a:t>6/27/21</a:t>
+              <a:t>6/29/21</a:t>
             </a:fld>
             <a:endParaRPr lang="en-US"/>
           </a:p>
@@ -1222,7 +1315,7 @@
           <a:p>
             <a:fld id="{5E1D577D-D52D-954C-B032-42F3BAB29110}" type="datetimeFigureOut">
               <a:rPr lang="en-US" smtClean="0"/>
-              <a:t>6/27/21</a:t>
+              <a:t>6/29/21</a:t>
             </a:fld>
             <a:endParaRPr lang="en-US"/>
           </a:p>
@@ -1487,7 +1580,7 @@
           <a:p>
             <a:fld id="{5E1D577D-D52D-954C-B032-42F3BAB29110}" type="datetimeFigureOut">
               <a:rPr lang="en-US" smtClean="0"/>
-              <a:t>6/27/21</a:t>
+              <a:t>6/29/21</a:t>
             </a:fld>
             <a:endParaRPr lang="en-US"/>
           </a:p>
@@ -1899,7 +1992,7 @@
           <a:p>
             <a:fld id="{5E1D577D-D52D-954C-B032-42F3BAB29110}" type="datetimeFigureOut">
               <a:rPr lang="en-US" smtClean="0"/>
-              <a:t>6/27/21</a:t>
+              <a:t>6/29/21</a:t>
             </a:fld>
             <a:endParaRPr lang="en-US"/>
           </a:p>
@@ -2040,7 +2133,7 @@
           <a:p>
             <a:fld id="{5E1D577D-D52D-954C-B032-42F3BAB29110}" type="datetimeFigureOut">
               <a:rPr lang="en-US" smtClean="0"/>
-              <a:t>6/27/21</a:t>
+              <a:t>6/29/21</a:t>
             </a:fld>
             <a:endParaRPr lang="en-US"/>
           </a:p>
@@ -2153,7 +2246,7 @@
           <a:p>
             <a:fld id="{5E1D577D-D52D-954C-B032-42F3BAB29110}" type="datetimeFigureOut">
               <a:rPr lang="en-US" smtClean="0"/>
-              <a:t>6/27/21</a:t>
+              <a:t>6/29/21</a:t>
             </a:fld>
             <a:endParaRPr lang="en-US"/>
           </a:p>
@@ -2464,7 +2557,7 @@
           <a:p>
             <a:fld id="{5E1D577D-D52D-954C-B032-42F3BAB29110}" type="datetimeFigureOut">
               <a:rPr lang="en-US" smtClean="0"/>
-              <a:t>6/27/21</a:t>
+              <a:t>6/29/21</a:t>
             </a:fld>
             <a:endParaRPr lang="en-US"/>
           </a:p>
@@ -2752,7 +2845,7 @@
           <a:p>
             <a:fld id="{5E1D577D-D52D-954C-B032-42F3BAB29110}" type="datetimeFigureOut">
               <a:rPr lang="en-US" smtClean="0"/>
-              <a:t>6/27/21</a:t>
+              <a:t>6/29/21</a:t>
             </a:fld>
             <a:endParaRPr lang="en-US"/>
           </a:p>
@@ -2993,7 +3086,7 @@
           <a:p>
             <a:fld id="{5E1D577D-D52D-954C-B032-42F3BAB29110}" type="datetimeFigureOut">
               <a:rPr lang="en-US" smtClean="0"/>
-              <a:t>6/27/21</a:t>
+              <a:t>6/29/21</a:t>
             </a:fld>
             <a:endParaRPr lang="en-US"/>
           </a:p>
@@ -3426,7 +3519,12 @@
             <p:ph type="title"/>
           </p:nvPr>
         </p:nvSpPr>
-        <p:spPr/>
+        <p:spPr>
+          <a:xfrm>
+            <a:off x="484495" y="1299801"/>
+            <a:ext cx="11113337" cy="1713138"/>
+          </a:xfrm>
+        </p:spPr>
         <p:txBody>
           <a:bodyPr/>
           <a:lstStyle/>
@@ -3457,14 +3555,17 @@
         </p:nvSpPr>
         <p:spPr>
           <a:xfrm>
-            <a:off x="3452883" y="1825625"/>
-            <a:ext cx="2289413" cy="1325563"/>
+            <a:off x="2916821" y="3345084"/>
+            <a:ext cx="2825476" cy="1160335"/>
           </a:xfrm>
         </p:spPr>
         <p:txBody>
           <a:bodyPr/>
           <a:lstStyle/>
           <a:p>
+            <a:pPr marL="0" indent="0" algn="ctr">
+              <a:buNone/>
+            </a:pPr>
             <a:r>
               <a:rPr lang="en-US" dirty="0"/>
               <a:t>Start New Itinerary</a:t>
@@ -3490,7 +3591,7 @@
         </p:nvSpPr>
         <p:spPr>
           <a:xfrm>
-            <a:off x="6449706" y="1825625"/>
+            <a:off x="6449706" y="3179856"/>
             <a:ext cx="2271212" cy="1463485"/>
           </a:xfrm>
         </p:spPr>
@@ -3498,9 +3599,12 @@
           <a:bodyPr/>
           <a:lstStyle/>
           <a:p>
+            <a:pPr marL="0" indent="0" algn="ctr">
+              <a:buNone/>
+            </a:pPr>
             <a:r>
               <a:rPr lang="en-US" dirty="0"/>
-              <a:t>View Saved Itinerary</a:t>
+              <a:t>Login to View Saved Itinerary</a:t>
             </a:r>
           </a:p>
         </p:txBody>
@@ -3520,8 +3624,8 @@
               <p14:nvPr/>
             </p14:nvContentPartPr>
             <p14:xfrm>
-              <a:off x="3421526" y="1823368"/>
-              <a:ext cx="2180160" cy="1234080"/>
+              <a:off x="3151676" y="3021813"/>
+              <a:ext cx="2450010" cy="1612654"/>
             </p14:xfrm>
           </p:contentPart>
         </mc:Choice>
@@ -3546,8 +3650,8 @@
             </p:blipFill>
             <p:spPr>
               <a:xfrm>
-                <a:off x="3412886" y="1814728"/>
-                <a:ext cx="2197800" cy="1251720"/>
+                <a:off x="3142675" y="3012812"/>
+                <a:ext cx="2467652" cy="1630296"/>
               </a:xfrm>
               <a:prstGeom prst="rect">
                 <a:avLst/>
@@ -3571,8 +3675,8 @@
               <p14:nvPr/>
             </p14:nvContentPartPr>
             <p14:xfrm>
-              <a:off x="6412406" y="1779808"/>
-              <a:ext cx="2304720" cy="1242720"/>
+              <a:off x="6416198" y="3021813"/>
+              <a:ext cx="2450010" cy="1621528"/>
             </p14:xfrm>
           </p:contentPart>
         </mc:Choice>
@@ -3597,8 +3701,8 @@
             </p:blipFill>
             <p:spPr>
               <a:xfrm>
-                <a:off x="6403406" y="1771168"/>
-                <a:ext cx="2322360" cy="1260360"/>
+                <a:off x="6407199" y="3012813"/>
+                <a:ext cx="2467649" cy="1639169"/>
               </a:xfrm>
               <a:prstGeom prst="rect">
                 <a:avLst/>
@@ -3622,8 +3726,8 @@
               <p14:nvPr/>
             </p14:nvContentPartPr>
             <p14:xfrm>
-              <a:off x="3403886" y="1801408"/>
-              <a:ext cx="2257560" cy="1228680"/>
+              <a:off x="3190376" y="3012939"/>
+              <a:ext cx="2450010" cy="1621528"/>
             </p14:xfrm>
           </p:contentPart>
         </mc:Choice>
@@ -3648,8 +3752,8 @@
             </p:blipFill>
             <p:spPr>
               <a:xfrm>
-                <a:off x="3394886" y="1792768"/>
-                <a:ext cx="2275200" cy="1246320"/>
+                <a:off x="3181378" y="3003937"/>
+                <a:ext cx="2467646" cy="1639173"/>
               </a:xfrm>
               <a:prstGeom prst="rect">
                 <a:avLst/>
@@ -3662,6 +3766,86 @@
     <p:extLst>
       <p:ext uri="{BB962C8B-B14F-4D97-AF65-F5344CB8AC3E}">
         <p14:creationId xmlns:p14="http://schemas.microsoft.com/office/powerpoint/2010/main" val="2809408690"/>
+      </p:ext>
+    </p:extLst>
+  </p:cSld>
+  <p:clrMapOvr>
+    <a:masterClrMapping/>
+  </p:clrMapOvr>
+</p:sld>
+</file>
+
+<file path=ppt/slides/slide10.xml><?xml version="1.0" encoding="utf-8"?>
+<p:sld xmlns:a="http://schemas.openxmlformats.org/drawingml/2006/main" xmlns:r="http://schemas.openxmlformats.org/officeDocument/2006/relationships" xmlns:p="http://schemas.openxmlformats.org/presentationml/2006/main">
+  <p:cSld>
+    <p:spTree>
+      <p:nvGrpSpPr>
+        <p:cNvPr id="1" name=""/>
+        <p:cNvGrpSpPr/>
+        <p:nvPr/>
+      </p:nvGrpSpPr>
+      <p:grpSpPr>
+        <a:xfrm>
+          <a:off x="0" y="0"/>
+          <a:ext cx="0" cy="0"/>
+          <a:chOff x="0" y="0"/>
+          <a:chExt cx="0" cy="0"/>
+        </a:xfrm>
+      </p:grpSpPr>
+      <p:sp>
+        <p:nvSpPr>
+          <p:cNvPr id="2" name="Title 1">
+            <a:extLst>
+              <a:ext uri="{FF2B5EF4-FFF2-40B4-BE49-F238E27FC236}">
+                <a16:creationId xmlns:a16="http://schemas.microsoft.com/office/drawing/2014/main" id="{E522FFBC-6859-4F47-B27F-61A4618A2D36}"/>
+              </a:ext>
+            </a:extLst>
+          </p:cNvPr>
+          <p:cNvSpPr>
+            <a:spLocks noGrp="1"/>
+          </p:cNvSpPr>
+          <p:nvPr>
+            <p:ph type="title"/>
+          </p:nvPr>
+        </p:nvSpPr>
+        <p:spPr/>
+        <p:txBody>
+          <a:bodyPr/>
+          <a:lstStyle/>
+          <a:p>
+            <a:endParaRPr lang="en-US" dirty="0"/>
+          </a:p>
+        </p:txBody>
+      </p:sp>
+      <p:sp>
+        <p:nvSpPr>
+          <p:cNvPr id="3" name="Content Placeholder 2">
+            <a:extLst>
+              <a:ext uri="{FF2B5EF4-FFF2-40B4-BE49-F238E27FC236}">
+                <a16:creationId xmlns:a16="http://schemas.microsoft.com/office/drawing/2014/main" id="{8A752A37-B63F-AB4C-9B75-E2293FABB516}"/>
+              </a:ext>
+            </a:extLst>
+          </p:cNvPr>
+          <p:cNvSpPr>
+            <a:spLocks noGrp="1"/>
+          </p:cNvSpPr>
+          <p:nvPr>
+            <p:ph idx="1"/>
+          </p:nvPr>
+        </p:nvSpPr>
+        <p:spPr/>
+        <p:txBody>
+          <a:bodyPr/>
+          <a:lstStyle/>
+          <a:p>
+            <a:endParaRPr lang="en-US"/>
+          </a:p>
+        </p:txBody>
+      </p:sp>
+    </p:spTree>
+    <p:extLst>
+      <p:ext uri="{BB962C8B-B14F-4D97-AF65-F5344CB8AC3E}">
+        <p14:creationId xmlns:p14="http://schemas.microsoft.com/office/powerpoint/2010/main" val="2042650693"/>
       </p:ext>
     </p:extLst>
   </p:cSld>
@@ -3740,7 +3924,13 @@
           <a:p>
             <a:r>
               <a:rPr lang="en-US" dirty="0"/>
-              <a:t>What is the maximum you are willing to spend on your weekend in Miami?</a:t>
+              <a:t>How many people are in your party? </a:t>
+            </a:r>
+          </a:p>
+          <a:p>
+            <a:r>
+              <a:rPr lang="en-US" dirty="0"/>
+              <a:t>What is the maximum you are willing to spend per person for your weekend in Miami?</a:t>
             </a:r>
           </a:p>
           <a:p>
@@ -3862,22 +4052,19 @@
             </a:r>
           </a:p>
           <a:p>
+            <a:pPr marL="0" indent="0">
+              <a:buNone/>
+            </a:pPr>
+            <a:r>
+              <a:rPr lang="en-US" dirty="0"/>
+              <a:t>	[Dropdown menu(s) of options]</a:t>
+            </a:r>
+          </a:p>
+          <a:p>
+            <a:pPr marL="0" indent="0">
+              <a:buNone/>
+            </a:pPr>
             <a:endParaRPr lang="en-US" dirty="0"/>
-          </a:p>
-          <a:p>
-            <a:r>
-              <a:rPr lang="en-US" dirty="0"/>
-              <a:t>Based on your budget and preferences we think you’d like:</a:t>
-            </a:r>
-          </a:p>
-          <a:p>
-            <a:pPr marL="0" indent="0">
-              <a:buNone/>
-            </a:pPr>
-            <a:r>
-              <a:rPr lang="en-US" dirty="0"/>
-              <a:t>	[Hotel Name] </a:t>
-            </a:r>
           </a:p>
         </p:txBody>
       </p:sp>
@@ -3935,7 +4122,7 @@
             <a:pPr algn="ctr"/>
             <a:r>
               <a:rPr lang="en-US" b="1" dirty="0"/>
-              <a:t>Meals</a:t>
+              <a:t>Lodging</a:t>
             </a:r>
           </a:p>
         </p:txBody>
@@ -3963,13 +4150,19 @@
           <a:p>
             <a:r>
               <a:rPr lang="en-US" dirty="0"/>
-              <a:t>What kind of food would you like to eat while in Miami? </a:t>
+              <a:t>What kind of hotel would you like to stay at?</a:t>
             </a:r>
           </a:p>
           <a:p>
             <a:pPr marL="0" indent="0">
               <a:buNone/>
             </a:pPr>
+            <a:r>
+              <a:rPr lang="en-US" dirty="0"/>
+              <a:t>	[Dropdown menu(s) of options]</a:t>
+            </a:r>
+          </a:p>
+          <a:p>
             <a:endParaRPr lang="en-US" dirty="0"/>
           </a:p>
           <a:p>
@@ -3984,25 +4177,7 @@
             </a:pPr>
             <a:r>
               <a:rPr lang="en-US" dirty="0"/>
-              <a:t>	Breakfasts at: [Restaurant] and [Restaurant]</a:t>
-            </a:r>
-          </a:p>
-          <a:p>
-            <a:pPr marL="0" indent="0">
-              <a:buNone/>
-            </a:pPr>
-            <a:r>
-              <a:rPr lang="en-US" dirty="0"/>
-              <a:t>	Lunches at: [Restaurant] and [Restaurant]</a:t>
-            </a:r>
-          </a:p>
-          <a:p>
-            <a:pPr marL="0" indent="0">
-              <a:buNone/>
-            </a:pPr>
-            <a:r>
-              <a:rPr lang="en-US" dirty="0"/>
-              <a:t>	Dinners at: [Restaurant] and [Restaurant]</a:t>
+              <a:t>	[Hotel Name] </a:t>
             </a:r>
           </a:p>
         </p:txBody>
@@ -4010,7 +4185,7 @@
     </p:spTree>
     <p:extLst>
       <p:ext uri="{BB962C8B-B14F-4D97-AF65-F5344CB8AC3E}">
-        <p14:creationId xmlns:p14="http://schemas.microsoft.com/office/powerpoint/2010/main" val="1949032151"/>
+        <p14:creationId xmlns:p14="http://schemas.microsoft.com/office/powerpoint/2010/main" val="1554258654"/>
       </p:ext>
     </p:extLst>
   </p:cSld>
@@ -4061,7 +4236,7 @@
             <a:pPr algn="ctr"/>
             <a:r>
               <a:rPr lang="en-US" b="1" dirty="0"/>
-              <a:t>Entertainment</a:t>
+              <a:t>Meals</a:t>
             </a:r>
           </a:p>
         </p:txBody>
@@ -4089,43 +4264,16 @@
           <a:p>
             <a:r>
               <a:rPr lang="en-US" dirty="0"/>
-              <a:t>What sort of things would you like to do on your trip?</a:t>
-            </a:r>
-          </a:p>
-          <a:p>
-            <a:endParaRPr lang="en-US" dirty="0"/>
-          </a:p>
-          <a:p>
+              <a:t>What kind of food would you like to eat while in Miami? </a:t>
+            </a:r>
+          </a:p>
+          <a:p>
+            <a:pPr marL="0" indent="0">
+              <a:buNone/>
+            </a:pPr>
             <a:r>
               <a:rPr lang="en-US" dirty="0"/>
-              <a:t>Based on your budget and preferences, we think you’d like:</a:t>
-            </a:r>
-          </a:p>
-          <a:p>
-            <a:pPr marL="0" indent="0">
-              <a:buNone/>
-            </a:pPr>
-            <a:r>
-              <a:rPr lang="en-US" dirty="0"/>
-              <a:t>	Morning activities: [Activity] and [Activity]</a:t>
-            </a:r>
-          </a:p>
-          <a:p>
-            <a:pPr marL="0" indent="0">
-              <a:buNone/>
-            </a:pPr>
-            <a:r>
-              <a:rPr lang="en-US" dirty="0"/>
-              <a:t>	Afternoon activity: [Activity]</a:t>
-            </a:r>
-          </a:p>
-          <a:p>
-            <a:pPr marL="0" indent="0">
-              <a:buNone/>
-            </a:pPr>
-            <a:r>
-              <a:rPr lang="en-US" dirty="0"/>
-              <a:t>	Evening activities: [Activity] and [Activity]</a:t>
+              <a:t>	[Dropdown menu(s) of options]</a:t>
             </a:r>
           </a:p>
         </p:txBody>
@@ -4133,7 +4281,7 @@
     </p:spTree>
     <p:extLst>
       <p:ext uri="{BB962C8B-B14F-4D97-AF65-F5344CB8AC3E}">
-        <p14:creationId xmlns:p14="http://schemas.microsoft.com/office/powerpoint/2010/main" val="3062795750"/>
+        <p14:creationId xmlns:p14="http://schemas.microsoft.com/office/powerpoint/2010/main" val="1949032151"/>
       </p:ext>
     </p:extLst>
   </p:cSld>
@@ -4184,7 +4332,7 @@
             <a:pPr algn="ctr"/>
             <a:r>
               <a:rPr lang="en-US" b="1" dirty="0"/>
-              <a:t>Itinerary</a:t>
+              <a:t>Meals</a:t>
             </a:r>
           </a:p>
         </p:txBody>
@@ -4212,19 +4360,55 @@
           <a:p>
             <a:r>
               <a:rPr lang="en-US" dirty="0"/>
-              <a:t>Friday, August </a:t>
-            </a:r>
-          </a:p>
-          <a:p>
+              <a:t>What kind of food would you like to eat while in Miami? </a:t>
+            </a:r>
+          </a:p>
+          <a:p>
+            <a:pPr marL="0" indent="0">
+              <a:buNone/>
+            </a:pPr>
             <a:r>
               <a:rPr lang="en-US" dirty="0"/>
-              <a:t>Activity:</a:t>
-            </a:r>
+              <a:t>	[Dropdown menu(s) of options]</a:t>
+            </a:r>
+          </a:p>
+          <a:p>
+            <a:pPr marL="0" indent="0">
+              <a:buNone/>
+            </a:pPr>
+            <a:endParaRPr lang="en-US" dirty="0"/>
           </a:p>
           <a:p>
             <a:r>
               <a:rPr lang="en-US" dirty="0"/>
-              <a:t>Dinner</a:t>
+              <a:t>Based on your budget and preferences we think you’d like:</a:t>
+            </a:r>
+          </a:p>
+          <a:p>
+            <a:pPr marL="0" indent="0">
+              <a:buNone/>
+            </a:pPr>
+            <a:r>
+              <a:rPr lang="en-US" dirty="0"/>
+              <a:t>	Breakfasts at: [Restaurant] and [Restaurant]</a:t>
+            </a:r>
+          </a:p>
+          <a:p>
+            <a:pPr marL="0" indent="0">
+              <a:buNone/>
+            </a:pPr>
+            <a:r>
+              <a:rPr lang="en-US" dirty="0"/>
+              <a:t>	Lunches at: [Restaurant] and [Restaurant]</a:t>
+            </a:r>
+          </a:p>
+          <a:p>
+            <a:pPr marL="0" indent="0">
+              <a:buNone/>
+            </a:pPr>
+            <a:r>
+              <a:rPr lang="en-US" dirty="0"/>
+              <a:t>	Dinners at: [Restaurant] and [Restaurant]</a:t>
             </a:r>
           </a:p>
         </p:txBody>
@@ -4232,7 +4416,1016 @@
     </p:spTree>
     <p:extLst>
       <p:ext uri="{BB962C8B-B14F-4D97-AF65-F5344CB8AC3E}">
-        <p14:creationId xmlns:p14="http://schemas.microsoft.com/office/powerpoint/2010/main" val="1575558549"/>
+        <p14:creationId xmlns:p14="http://schemas.microsoft.com/office/powerpoint/2010/main" val="4001050282"/>
+      </p:ext>
+    </p:extLst>
+  </p:cSld>
+  <p:clrMapOvr>
+    <a:masterClrMapping/>
+  </p:clrMapOvr>
+</p:sld>
+</file>
+
+<file path=ppt/slides/slide7.xml><?xml version="1.0" encoding="utf-8"?>
+<p:sld xmlns:a="http://schemas.openxmlformats.org/drawingml/2006/main" xmlns:r="http://schemas.openxmlformats.org/officeDocument/2006/relationships" xmlns:p="http://schemas.openxmlformats.org/presentationml/2006/main">
+  <p:cSld>
+    <p:spTree>
+      <p:nvGrpSpPr>
+        <p:cNvPr id="1" name=""/>
+        <p:cNvGrpSpPr/>
+        <p:nvPr/>
+      </p:nvGrpSpPr>
+      <p:grpSpPr>
+        <a:xfrm>
+          <a:off x="0" y="0"/>
+          <a:ext cx="0" cy="0"/>
+          <a:chOff x="0" y="0"/>
+          <a:chExt cx="0" cy="0"/>
+        </a:xfrm>
+      </p:grpSpPr>
+      <p:sp>
+        <p:nvSpPr>
+          <p:cNvPr id="2" name="Title 1">
+            <a:extLst>
+              <a:ext uri="{FF2B5EF4-FFF2-40B4-BE49-F238E27FC236}">
+                <a16:creationId xmlns:a16="http://schemas.microsoft.com/office/drawing/2014/main" id="{AF8DA5B6-786D-2240-9258-E1A3D3E99999}"/>
+              </a:ext>
+            </a:extLst>
+          </p:cNvPr>
+          <p:cNvSpPr>
+            <a:spLocks noGrp="1"/>
+          </p:cNvSpPr>
+          <p:nvPr>
+            <p:ph type="title"/>
+          </p:nvPr>
+        </p:nvSpPr>
+        <p:spPr/>
+        <p:txBody>
+          <a:bodyPr/>
+          <a:lstStyle/>
+          <a:p>
+            <a:pPr algn="ctr"/>
+            <a:r>
+              <a:rPr lang="en-US" b="1" dirty="0"/>
+              <a:t>Entertainment</a:t>
+            </a:r>
+          </a:p>
+        </p:txBody>
+      </p:sp>
+      <p:sp>
+        <p:nvSpPr>
+          <p:cNvPr id="3" name="Content Placeholder 2">
+            <a:extLst>
+              <a:ext uri="{FF2B5EF4-FFF2-40B4-BE49-F238E27FC236}">
+                <a16:creationId xmlns:a16="http://schemas.microsoft.com/office/drawing/2014/main" id="{7C23C385-7483-8049-99E0-75C81C5AC9FB}"/>
+              </a:ext>
+            </a:extLst>
+          </p:cNvPr>
+          <p:cNvSpPr>
+            <a:spLocks noGrp="1"/>
+          </p:cNvSpPr>
+          <p:nvPr>
+            <p:ph idx="1"/>
+          </p:nvPr>
+        </p:nvSpPr>
+        <p:spPr/>
+        <p:txBody>
+          <a:bodyPr/>
+          <a:lstStyle/>
+          <a:p>
+            <a:r>
+              <a:rPr lang="en-US" dirty="0"/>
+              <a:t>What sort of things would you like to do on your trip?</a:t>
+            </a:r>
+          </a:p>
+          <a:p>
+            <a:pPr marL="0" indent="0">
+              <a:buNone/>
+            </a:pPr>
+            <a:r>
+              <a:rPr lang="en-US" dirty="0"/>
+              <a:t>	[Dropdown menu(s) of options]</a:t>
+            </a:r>
+          </a:p>
+          <a:p>
+            <a:pPr marL="0" indent="0">
+              <a:buNone/>
+            </a:pPr>
+            <a:endParaRPr lang="en-US" dirty="0"/>
+          </a:p>
+        </p:txBody>
+      </p:sp>
+    </p:spTree>
+    <p:extLst>
+      <p:ext uri="{BB962C8B-B14F-4D97-AF65-F5344CB8AC3E}">
+        <p14:creationId xmlns:p14="http://schemas.microsoft.com/office/powerpoint/2010/main" val="3062795750"/>
+      </p:ext>
+    </p:extLst>
+  </p:cSld>
+  <p:clrMapOvr>
+    <a:masterClrMapping/>
+  </p:clrMapOvr>
+</p:sld>
+</file>
+
+<file path=ppt/slides/slide8.xml><?xml version="1.0" encoding="utf-8"?>
+<p:sld xmlns:a="http://schemas.openxmlformats.org/drawingml/2006/main" xmlns:r="http://schemas.openxmlformats.org/officeDocument/2006/relationships" xmlns:p="http://schemas.openxmlformats.org/presentationml/2006/main">
+  <p:cSld>
+    <p:spTree>
+      <p:nvGrpSpPr>
+        <p:cNvPr id="1" name=""/>
+        <p:cNvGrpSpPr/>
+        <p:nvPr/>
+      </p:nvGrpSpPr>
+      <p:grpSpPr>
+        <a:xfrm>
+          <a:off x="0" y="0"/>
+          <a:ext cx="0" cy="0"/>
+          <a:chOff x="0" y="0"/>
+          <a:chExt cx="0" cy="0"/>
+        </a:xfrm>
+      </p:grpSpPr>
+      <p:sp>
+        <p:nvSpPr>
+          <p:cNvPr id="2" name="Title 1">
+            <a:extLst>
+              <a:ext uri="{FF2B5EF4-FFF2-40B4-BE49-F238E27FC236}">
+                <a16:creationId xmlns:a16="http://schemas.microsoft.com/office/drawing/2014/main" id="{AF8DA5B6-786D-2240-9258-E1A3D3E99999}"/>
+              </a:ext>
+            </a:extLst>
+          </p:cNvPr>
+          <p:cNvSpPr>
+            <a:spLocks noGrp="1"/>
+          </p:cNvSpPr>
+          <p:nvPr>
+            <p:ph type="title"/>
+          </p:nvPr>
+        </p:nvSpPr>
+        <p:spPr/>
+        <p:txBody>
+          <a:bodyPr/>
+          <a:lstStyle/>
+          <a:p>
+            <a:pPr algn="ctr"/>
+            <a:r>
+              <a:rPr lang="en-US" b="1" dirty="0"/>
+              <a:t>Entertainment</a:t>
+            </a:r>
+          </a:p>
+        </p:txBody>
+      </p:sp>
+      <p:sp>
+        <p:nvSpPr>
+          <p:cNvPr id="3" name="Content Placeholder 2">
+            <a:extLst>
+              <a:ext uri="{FF2B5EF4-FFF2-40B4-BE49-F238E27FC236}">
+                <a16:creationId xmlns:a16="http://schemas.microsoft.com/office/drawing/2014/main" id="{7C23C385-7483-8049-99E0-75C81C5AC9FB}"/>
+              </a:ext>
+            </a:extLst>
+          </p:cNvPr>
+          <p:cNvSpPr>
+            <a:spLocks noGrp="1"/>
+          </p:cNvSpPr>
+          <p:nvPr>
+            <p:ph idx="1"/>
+          </p:nvPr>
+        </p:nvSpPr>
+        <p:spPr/>
+        <p:txBody>
+          <a:bodyPr/>
+          <a:lstStyle/>
+          <a:p>
+            <a:r>
+              <a:rPr lang="en-US" dirty="0"/>
+              <a:t>What sort of things would you like to do on your trip?</a:t>
+            </a:r>
+          </a:p>
+          <a:p>
+            <a:pPr marL="0" indent="0">
+              <a:buNone/>
+            </a:pPr>
+            <a:r>
+              <a:rPr lang="en-US" dirty="0"/>
+              <a:t>	[Dropdown menu(s) of options]</a:t>
+            </a:r>
+          </a:p>
+          <a:p>
+            <a:endParaRPr lang="en-US" dirty="0"/>
+          </a:p>
+          <a:p>
+            <a:r>
+              <a:rPr lang="en-US" dirty="0"/>
+              <a:t>Based on your budget and preferences, we think you’d like:</a:t>
+            </a:r>
+          </a:p>
+          <a:p>
+            <a:pPr marL="0" indent="0">
+              <a:buNone/>
+            </a:pPr>
+            <a:r>
+              <a:rPr lang="en-US" dirty="0"/>
+              <a:t>	Morning activities: [Activity] and [Activity]</a:t>
+            </a:r>
+          </a:p>
+          <a:p>
+            <a:pPr marL="0" indent="0">
+              <a:buNone/>
+            </a:pPr>
+            <a:r>
+              <a:rPr lang="en-US" dirty="0"/>
+              <a:t>	Afternoon activity: [Activity]</a:t>
+            </a:r>
+          </a:p>
+          <a:p>
+            <a:pPr marL="0" indent="0">
+              <a:buNone/>
+            </a:pPr>
+            <a:r>
+              <a:rPr lang="en-US" dirty="0"/>
+              <a:t>	Evening activities: [Activity] and [Activity]</a:t>
+            </a:r>
+          </a:p>
+        </p:txBody>
+      </p:sp>
+    </p:spTree>
+    <p:extLst>
+      <p:ext uri="{BB962C8B-B14F-4D97-AF65-F5344CB8AC3E}">
+        <p14:creationId xmlns:p14="http://schemas.microsoft.com/office/powerpoint/2010/main" val="3180706238"/>
+      </p:ext>
+    </p:extLst>
+  </p:cSld>
+  <p:clrMapOvr>
+    <a:masterClrMapping/>
+  </p:clrMapOvr>
+</p:sld>
+</file>
+
+<file path=ppt/slides/slide9.xml><?xml version="1.0" encoding="utf-8"?>
+<p:sld xmlns:a="http://schemas.openxmlformats.org/drawingml/2006/main" xmlns:r="http://schemas.openxmlformats.org/officeDocument/2006/relationships" xmlns:p="http://schemas.openxmlformats.org/presentationml/2006/main">
+  <p:cSld>
+    <p:spTree>
+      <p:nvGrpSpPr>
+        <p:cNvPr id="1" name=""/>
+        <p:cNvGrpSpPr/>
+        <p:nvPr/>
+      </p:nvGrpSpPr>
+      <p:grpSpPr>
+        <a:xfrm>
+          <a:off x="0" y="0"/>
+          <a:ext cx="0" cy="0"/>
+          <a:chOff x="0" y="0"/>
+          <a:chExt cx="0" cy="0"/>
+        </a:xfrm>
+      </p:grpSpPr>
+      <p:sp>
+        <p:nvSpPr>
+          <p:cNvPr id="3" name="Content Placeholder 2">
+            <a:extLst>
+              <a:ext uri="{FF2B5EF4-FFF2-40B4-BE49-F238E27FC236}">
+                <a16:creationId xmlns:a16="http://schemas.microsoft.com/office/drawing/2014/main" id="{7C23C385-7483-8049-99E0-75C81C5AC9FB}"/>
+              </a:ext>
+            </a:extLst>
+          </p:cNvPr>
+          <p:cNvSpPr>
+            <a:spLocks noGrp="1"/>
+          </p:cNvSpPr>
+          <p:nvPr>
+            <p:ph idx="1"/>
+          </p:nvPr>
+        </p:nvSpPr>
+        <p:spPr>
+          <a:xfrm>
+            <a:off x="335666" y="365125"/>
+            <a:ext cx="4629874" cy="5811838"/>
+          </a:xfrm>
+        </p:spPr>
+        <p:txBody>
+          <a:bodyPr>
+            <a:normAutofit fontScale="70000" lnSpcReduction="20000"/>
+          </a:bodyPr>
+          <a:lstStyle/>
+          <a:p>
+            <a:pPr marL="0" indent="0" algn="ctr">
+              <a:buNone/>
+            </a:pPr>
+            <a:r>
+              <a:rPr lang="en-US" b="1" u="sng" dirty="0"/>
+              <a:t>Itinerary</a:t>
+            </a:r>
+          </a:p>
+          <a:p>
+            <a:pPr marL="0" indent="0">
+              <a:buNone/>
+            </a:pPr>
+            <a:r>
+              <a:rPr lang="en-US" dirty="0"/>
+              <a:t>Friday, August 6</a:t>
+            </a:r>
+          </a:p>
+          <a:p>
+            <a:pPr marL="0" indent="0">
+              <a:buNone/>
+            </a:pPr>
+            <a:r>
+              <a:rPr lang="en-US" dirty="0"/>
+              <a:t>	Afternoon: Arrival, Hotel Check-In</a:t>
+            </a:r>
+          </a:p>
+          <a:p>
+            <a:pPr marL="0" indent="0">
+              <a:buNone/>
+            </a:pPr>
+            <a:r>
+              <a:rPr lang="en-US" dirty="0"/>
+              <a:t>	Dinner: </a:t>
+            </a:r>
+          </a:p>
+          <a:p>
+            <a:pPr marL="0" indent="0">
+              <a:buNone/>
+            </a:pPr>
+            <a:r>
+              <a:rPr lang="en-US" dirty="0"/>
+              <a:t>	Evening Activity:</a:t>
+            </a:r>
+          </a:p>
+          <a:p>
+            <a:pPr marL="0" indent="0">
+              <a:buNone/>
+            </a:pPr>
+            <a:r>
+              <a:rPr lang="en-US" dirty="0"/>
+              <a:t>Saturday, August 7</a:t>
+            </a:r>
+          </a:p>
+          <a:p>
+            <a:pPr marL="0" indent="0">
+              <a:buNone/>
+            </a:pPr>
+            <a:r>
+              <a:rPr lang="en-US" dirty="0"/>
+              <a:t>	Breakfast:</a:t>
+            </a:r>
+          </a:p>
+          <a:p>
+            <a:pPr marL="0" indent="0">
+              <a:buNone/>
+            </a:pPr>
+            <a:r>
+              <a:rPr lang="en-US" dirty="0"/>
+              <a:t>	Morning Activity:</a:t>
+            </a:r>
+          </a:p>
+          <a:p>
+            <a:pPr marL="0" indent="0">
+              <a:buNone/>
+            </a:pPr>
+            <a:r>
+              <a:rPr lang="en-US" dirty="0"/>
+              <a:t>	Lunch:</a:t>
+            </a:r>
+          </a:p>
+          <a:p>
+            <a:pPr marL="0" indent="0">
+              <a:buNone/>
+            </a:pPr>
+            <a:r>
+              <a:rPr lang="en-US" dirty="0"/>
+              <a:t>	Afternoon Activity:</a:t>
+            </a:r>
+          </a:p>
+          <a:p>
+            <a:pPr marL="0" indent="0">
+              <a:buNone/>
+            </a:pPr>
+            <a:r>
+              <a:rPr lang="en-US" dirty="0"/>
+              <a:t>	Dinner:</a:t>
+            </a:r>
+          </a:p>
+          <a:p>
+            <a:pPr marL="0" indent="0">
+              <a:buNone/>
+            </a:pPr>
+            <a:r>
+              <a:rPr lang="en-US" dirty="0"/>
+              <a:t>	Evening Activity:</a:t>
+            </a:r>
+          </a:p>
+          <a:p>
+            <a:pPr marL="0" indent="0">
+              <a:buNone/>
+            </a:pPr>
+            <a:r>
+              <a:rPr lang="en-US" dirty="0"/>
+              <a:t>Sunday, August 8</a:t>
+            </a:r>
+          </a:p>
+          <a:p>
+            <a:pPr marL="0" indent="0">
+              <a:buNone/>
+            </a:pPr>
+            <a:r>
+              <a:rPr lang="en-US" dirty="0"/>
+              <a:t>	Breakfast:</a:t>
+            </a:r>
+          </a:p>
+          <a:p>
+            <a:pPr marL="0" indent="0">
+              <a:buNone/>
+            </a:pPr>
+            <a:r>
+              <a:rPr lang="en-US" dirty="0"/>
+              <a:t>	Morning Activity:</a:t>
+            </a:r>
+          </a:p>
+          <a:p>
+            <a:pPr marL="0" indent="0">
+              <a:buNone/>
+            </a:pPr>
+            <a:r>
+              <a:rPr lang="en-US" dirty="0"/>
+              <a:t>	Lunch:</a:t>
+            </a:r>
+          </a:p>
+          <a:p>
+            <a:pPr marL="0" indent="0">
+              <a:buNone/>
+            </a:pPr>
+            <a:r>
+              <a:rPr lang="en-US" dirty="0"/>
+              <a:t>	Afternoon: Departure</a:t>
+            </a:r>
+          </a:p>
+        </p:txBody>
+      </p:sp>
+      <p:sp>
+        <p:nvSpPr>
+          <p:cNvPr id="4" name="TextBox 3">
+            <a:extLst>
+              <a:ext uri="{FF2B5EF4-FFF2-40B4-BE49-F238E27FC236}">
+                <a16:creationId xmlns:a16="http://schemas.microsoft.com/office/drawing/2014/main" id="{6229FAB2-BEB8-6E48-9433-D34C00996806}"/>
+              </a:ext>
+            </a:extLst>
+          </p:cNvPr>
+          <p:cNvSpPr txBox="1"/>
+          <p:nvPr/>
+        </p:nvSpPr>
+        <p:spPr>
+          <a:xfrm>
+            <a:off x="9109278" y="3090444"/>
+            <a:ext cx="2199190" cy="923330"/>
+          </a:xfrm>
+          <a:prstGeom prst="rect">
+            <a:avLst/>
+          </a:prstGeom>
+          <a:noFill/>
+        </p:spPr>
+        <p:txBody>
+          <a:bodyPr wrap="square" rtlCol="0">
+            <a:spAutoFit/>
+          </a:bodyPr>
+          <a:lstStyle/>
+          <a:p>
+            <a:pPr algn="ctr"/>
+            <a:r>
+              <a:rPr lang="en-US" b="1" dirty="0"/>
+              <a:t>Export </a:t>
+            </a:r>
+          </a:p>
+          <a:p>
+            <a:pPr algn="ctr"/>
+            <a:r>
+              <a:rPr lang="en-US" b="1" dirty="0"/>
+              <a:t>Itinerary + Budget </a:t>
+            </a:r>
+          </a:p>
+          <a:p>
+            <a:pPr algn="ctr"/>
+            <a:r>
+              <a:rPr lang="en-US" b="1" dirty="0"/>
+              <a:t>as .txt Document</a:t>
+            </a:r>
+          </a:p>
+        </p:txBody>
+      </p:sp>
+      <p:sp>
+        <p:nvSpPr>
+          <p:cNvPr id="6" name="Rectangle 5">
+            <a:extLst>
+              <a:ext uri="{FF2B5EF4-FFF2-40B4-BE49-F238E27FC236}">
+                <a16:creationId xmlns:a16="http://schemas.microsoft.com/office/drawing/2014/main" id="{17A8C03B-52BD-E246-87E0-A6F0B083C026}"/>
+              </a:ext>
+            </a:extLst>
+          </p:cNvPr>
+          <p:cNvSpPr/>
+          <p:nvPr/>
+        </p:nvSpPr>
+        <p:spPr>
+          <a:xfrm>
+            <a:off x="9008559" y="4807317"/>
+            <a:ext cx="2267338" cy="923330"/>
+          </a:xfrm>
+          <a:prstGeom prst="rect">
+            <a:avLst/>
+          </a:prstGeom>
+        </p:spPr>
+        <p:txBody>
+          <a:bodyPr wrap="square">
+            <a:spAutoFit/>
+          </a:bodyPr>
+          <a:lstStyle/>
+          <a:p>
+            <a:pPr algn="ctr"/>
+            <a:r>
+              <a:rPr lang="en-US" b="1" dirty="0"/>
+              <a:t>Export </a:t>
+            </a:r>
+          </a:p>
+          <a:p>
+            <a:pPr algn="ctr"/>
+            <a:r>
+              <a:rPr lang="en-US" b="1" dirty="0"/>
+              <a:t>Itinerary + Budget </a:t>
+            </a:r>
+          </a:p>
+          <a:p>
+            <a:pPr algn="ctr"/>
+            <a:r>
+              <a:rPr lang="en-US" b="1" dirty="0"/>
+              <a:t>as E-mail</a:t>
+            </a:r>
+            <a:endParaRPr lang="en-US" dirty="0"/>
+          </a:p>
+        </p:txBody>
+      </p:sp>
+      <p:sp>
+        <p:nvSpPr>
+          <p:cNvPr id="7" name="Rectangle 6">
+            <a:extLst>
+              <a:ext uri="{FF2B5EF4-FFF2-40B4-BE49-F238E27FC236}">
+                <a16:creationId xmlns:a16="http://schemas.microsoft.com/office/drawing/2014/main" id="{D43D9A6B-8466-9E4B-8166-171EC456A6EA}"/>
+              </a:ext>
+            </a:extLst>
+          </p:cNvPr>
+          <p:cNvSpPr/>
+          <p:nvPr/>
+        </p:nvSpPr>
+        <p:spPr>
+          <a:xfrm>
+            <a:off x="9148609" y="1485380"/>
+            <a:ext cx="2022120" cy="646331"/>
+          </a:xfrm>
+          <a:prstGeom prst="rect">
+            <a:avLst/>
+          </a:prstGeom>
+        </p:spPr>
+        <p:txBody>
+          <a:bodyPr wrap="square">
+            <a:spAutoFit/>
+          </a:bodyPr>
+          <a:lstStyle/>
+          <a:p>
+            <a:pPr algn="ctr"/>
+            <a:r>
+              <a:rPr lang="en-US" b="1" dirty="0"/>
+              <a:t>Login to Save Itinerary + Budget</a:t>
+            </a:r>
+            <a:endParaRPr lang="en-US" dirty="0"/>
+          </a:p>
+        </p:txBody>
+      </p:sp>
+      <mc:AlternateContent xmlns:mc="http://schemas.openxmlformats.org/markup-compatibility/2006">
+        <mc:Choice xmlns:p14="http://schemas.microsoft.com/office/powerpoint/2010/main" Requires="p14">
+          <p:contentPart p14:bwMode="auto" r:id="rId2">
+            <p14:nvContentPartPr>
+              <p14:cNvPr id="8" name="Ink 7">
+                <a:extLst>
+                  <a:ext uri="{FF2B5EF4-FFF2-40B4-BE49-F238E27FC236}">
+                    <a16:creationId xmlns:a16="http://schemas.microsoft.com/office/drawing/2014/main" id="{AD9A2D54-2066-3E4B-B6DA-95B61C73E625}"/>
+                  </a:ext>
+                </a:extLst>
+              </p14:cNvPr>
+              <p14:cNvContentPartPr/>
+              <p14:nvPr/>
+            </p14:nvContentPartPr>
+            <p14:xfrm>
+              <a:off x="9150294" y="1316451"/>
+              <a:ext cx="2162520" cy="1001520"/>
+            </p14:xfrm>
+          </p:contentPart>
+        </mc:Choice>
+        <mc:Fallback>
+          <p:pic>
+            <p:nvPicPr>
+              <p:cNvPr id="8" name="Ink 7">
+                <a:extLst>
+                  <a:ext uri="{FF2B5EF4-FFF2-40B4-BE49-F238E27FC236}">
+                    <a16:creationId xmlns:a16="http://schemas.microsoft.com/office/drawing/2014/main" id="{AD9A2D54-2066-3E4B-B6DA-95B61C73E625}"/>
+                  </a:ext>
+                </a:extLst>
+              </p:cNvPr>
+              <p:cNvPicPr/>
+              <p:nvPr/>
+            </p:nvPicPr>
+            <p:blipFill>
+              <a:blip r:embed="rId3"/>
+              <a:stretch>
+                <a:fillRect/>
+              </a:stretch>
+            </p:blipFill>
+            <p:spPr>
+              <a:xfrm>
+                <a:off x="9141294" y="1307451"/>
+                <a:ext cx="2180160" cy="1019160"/>
+              </a:xfrm>
+              <a:prstGeom prst="rect">
+                <a:avLst/>
+              </a:prstGeom>
+            </p:spPr>
+          </p:pic>
+        </mc:Fallback>
+      </mc:AlternateContent>
+      <mc:AlternateContent xmlns:mc="http://schemas.openxmlformats.org/markup-compatibility/2006">
+        <mc:Choice xmlns:p14="http://schemas.microsoft.com/office/powerpoint/2010/main" Requires="p14">
+          <p:contentPart p14:bwMode="auto" r:id="rId4">
+            <p14:nvContentPartPr>
+              <p14:cNvPr id="9" name="Ink 8">
+                <a:extLst>
+                  <a:ext uri="{FF2B5EF4-FFF2-40B4-BE49-F238E27FC236}">
+                    <a16:creationId xmlns:a16="http://schemas.microsoft.com/office/drawing/2014/main" id="{910B9AC5-6285-9F4C-8246-A9D3DD2429E0}"/>
+                  </a:ext>
+                </a:extLst>
+              </p14:cNvPr>
+              <p14:cNvContentPartPr/>
+              <p14:nvPr/>
+            </p14:nvContentPartPr>
+            <p14:xfrm>
+              <a:off x="9149377" y="3021412"/>
+              <a:ext cx="2126520" cy="1025640"/>
+            </p14:xfrm>
+          </p:contentPart>
+        </mc:Choice>
+        <mc:Fallback>
+          <p:pic>
+            <p:nvPicPr>
+              <p:cNvPr id="9" name="Ink 8">
+                <a:extLst>
+                  <a:ext uri="{FF2B5EF4-FFF2-40B4-BE49-F238E27FC236}">
+                    <a16:creationId xmlns:a16="http://schemas.microsoft.com/office/drawing/2014/main" id="{910B9AC5-6285-9F4C-8246-A9D3DD2429E0}"/>
+                  </a:ext>
+                </a:extLst>
+              </p:cNvPr>
+              <p:cNvPicPr/>
+              <p:nvPr/>
+            </p:nvPicPr>
+            <p:blipFill>
+              <a:blip r:embed="rId5"/>
+              <a:stretch>
+                <a:fillRect/>
+              </a:stretch>
+            </p:blipFill>
+            <p:spPr>
+              <a:xfrm>
+                <a:off x="9140375" y="3012412"/>
+                <a:ext cx="2144163" cy="1043280"/>
+              </a:xfrm>
+              <a:prstGeom prst="rect">
+                <a:avLst/>
+              </a:prstGeom>
+            </p:spPr>
+          </p:pic>
+        </mc:Fallback>
+      </mc:AlternateContent>
+      <mc:AlternateContent xmlns:mc="http://schemas.openxmlformats.org/markup-compatibility/2006">
+        <mc:Choice xmlns:p14="http://schemas.microsoft.com/office/powerpoint/2010/main" Requires="p14">
+          <p:contentPart p14:bwMode="auto" r:id="rId6">
+            <p14:nvContentPartPr>
+              <p14:cNvPr id="10" name="Ink 9">
+                <a:extLst>
+                  <a:ext uri="{FF2B5EF4-FFF2-40B4-BE49-F238E27FC236}">
+                    <a16:creationId xmlns:a16="http://schemas.microsoft.com/office/drawing/2014/main" id="{CF467A02-74D4-9142-8BA6-FFA0787ADD9F}"/>
+                  </a:ext>
+                </a:extLst>
+              </p14:cNvPr>
+              <p14:cNvContentPartPr/>
+              <p14:nvPr/>
+            </p14:nvContentPartPr>
+            <p14:xfrm>
+              <a:off x="9148608" y="4761784"/>
+              <a:ext cx="2022120" cy="999720"/>
+            </p14:xfrm>
+          </p:contentPart>
+        </mc:Choice>
+        <mc:Fallback>
+          <p:pic>
+            <p:nvPicPr>
+              <p:cNvPr id="10" name="Ink 9">
+                <a:extLst>
+                  <a:ext uri="{FF2B5EF4-FFF2-40B4-BE49-F238E27FC236}">
+                    <a16:creationId xmlns:a16="http://schemas.microsoft.com/office/drawing/2014/main" id="{CF467A02-74D4-9142-8BA6-FFA0787ADD9F}"/>
+                  </a:ext>
+                </a:extLst>
+              </p:cNvPr>
+              <p:cNvPicPr/>
+              <p:nvPr/>
+            </p:nvPicPr>
+            <p:blipFill>
+              <a:blip r:embed="rId7"/>
+              <a:stretch>
+                <a:fillRect/>
+              </a:stretch>
+            </p:blipFill>
+            <p:spPr>
+              <a:xfrm>
+                <a:off x="9139610" y="4752781"/>
+                <a:ext cx="2039757" cy="1017366"/>
+              </a:xfrm>
+              <a:prstGeom prst="rect">
+                <a:avLst/>
+              </a:prstGeom>
+            </p:spPr>
+          </p:pic>
+        </mc:Fallback>
+      </mc:AlternateContent>
+      <p:sp>
+        <p:nvSpPr>
+          <p:cNvPr id="11" name="Content Placeholder 2">
+            <a:extLst>
+              <a:ext uri="{FF2B5EF4-FFF2-40B4-BE49-F238E27FC236}">
+                <a16:creationId xmlns:a16="http://schemas.microsoft.com/office/drawing/2014/main" id="{F38FF69B-BD3A-DF46-85F5-ED4C9B39A6DD}"/>
+              </a:ext>
+            </a:extLst>
+          </p:cNvPr>
+          <p:cNvSpPr txBox="1">
+            <a:spLocks/>
+          </p:cNvSpPr>
+          <p:nvPr/>
+        </p:nvSpPr>
+        <p:spPr>
+          <a:xfrm>
+            <a:off x="5005639" y="365125"/>
+            <a:ext cx="3802695" cy="5860063"/>
+          </a:xfrm>
+          <a:prstGeom prst="rect">
+            <a:avLst/>
+          </a:prstGeom>
+        </p:spPr>
+        <p:txBody>
+          <a:bodyPr vert="horz" lIns="91440" tIns="45720" rIns="91440" bIns="45720" rtlCol="0">
+            <a:normAutofit/>
+          </a:bodyPr>
+          <a:lstStyle>
+            <a:lvl1pPr marL="228600" indent="-228600" algn="l" defTabSz="914400" rtl="0" eaLnBrk="1" latinLnBrk="0" hangingPunct="1">
+              <a:lnSpc>
+                <a:spcPct val="90000"/>
+              </a:lnSpc>
+              <a:spcBef>
+                <a:spcPts val="1000"/>
+              </a:spcBef>
+              <a:buFont typeface="Arial" panose="020B0604020202020204" pitchFamily="34" charset="0"/>
+              <a:buChar char="•"/>
+              <a:defRPr sz="2800" kern="1200">
+                <a:solidFill>
+                  <a:schemeClr val="tx1"/>
+                </a:solidFill>
+                <a:latin typeface="+mn-lt"/>
+                <a:ea typeface="+mn-ea"/>
+                <a:cs typeface="+mn-cs"/>
+              </a:defRPr>
+            </a:lvl1pPr>
+            <a:lvl2pPr marL="685800" indent="-228600" algn="l" defTabSz="914400" rtl="0" eaLnBrk="1" latinLnBrk="0" hangingPunct="1">
+              <a:lnSpc>
+                <a:spcPct val="90000"/>
+              </a:lnSpc>
+              <a:spcBef>
+                <a:spcPts val="500"/>
+              </a:spcBef>
+              <a:buFont typeface="Arial" panose="020B0604020202020204" pitchFamily="34" charset="0"/>
+              <a:buChar char="•"/>
+              <a:defRPr sz="2400" kern="1200">
+                <a:solidFill>
+                  <a:schemeClr val="tx1"/>
+                </a:solidFill>
+                <a:latin typeface="+mn-lt"/>
+                <a:ea typeface="+mn-ea"/>
+                <a:cs typeface="+mn-cs"/>
+              </a:defRPr>
+            </a:lvl2pPr>
+            <a:lvl3pPr marL="1143000" indent="-228600" algn="l" defTabSz="914400" rtl="0" eaLnBrk="1" latinLnBrk="0" hangingPunct="1">
+              <a:lnSpc>
+                <a:spcPct val="90000"/>
+              </a:lnSpc>
+              <a:spcBef>
+                <a:spcPts val="500"/>
+              </a:spcBef>
+              <a:buFont typeface="Arial" panose="020B0604020202020204" pitchFamily="34" charset="0"/>
+              <a:buChar char="•"/>
+              <a:defRPr sz="2000" kern="1200">
+                <a:solidFill>
+                  <a:schemeClr val="tx1"/>
+                </a:solidFill>
+                <a:latin typeface="+mn-lt"/>
+                <a:ea typeface="+mn-ea"/>
+                <a:cs typeface="+mn-cs"/>
+              </a:defRPr>
+            </a:lvl3pPr>
+            <a:lvl4pPr marL="1600200" indent="-228600" algn="l" defTabSz="914400" rtl="0" eaLnBrk="1" latinLnBrk="0" hangingPunct="1">
+              <a:lnSpc>
+                <a:spcPct val="90000"/>
+              </a:lnSpc>
+              <a:spcBef>
+                <a:spcPts val="500"/>
+              </a:spcBef>
+              <a:buFont typeface="Arial" panose="020B0604020202020204" pitchFamily="34" charset="0"/>
+              <a:buChar char="•"/>
+              <a:defRPr sz="1800" kern="1200">
+                <a:solidFill>
+                  <a:schemeClr val="tx1"/>
+                </a:solidFill>
+                <a:latin typeface="+mn-lt"/>
+                <a:ea typeface="+mn-ea"/>
+                <a:cs typeface="+mn-cs"/>
+              </a:defRPr>
+            </a:lvl4pPr>
+            <a:lvl5pPr marL="2057400" indent="-228600" algn="l" defTabSz="914400" rtl="0" eaLnBrk="1" latinLnBrk="0" hangingPunct="1">
+              <a:lnSpc>
+                <a:spcPct val="90000"/>
+              </a:lnSpc>
+              <a:spcBef>
+                <a:spcPts val="500"/>
+              </a:spcBef>
+              <a:buFont typeface="Arial" panose="020B0604020202020204" pitchFamily="34" charset="0"/>
+              <a:buChar char="•"/>
+              <a:defRPr sz="1800" kern="1200">
+                <a:solidFill>
+                  <a:schemeClr val="tx1"/>
+                </a:solidFill>
+                <a:latin typeface="+mn-lt"/>
+                <a:ea typeface="+mn-ea"/>
+                <a:cs typeface="+mn-cs"/>
+              </a:defRPr>
+            </a:lvl5pPr>
+            <a:lvl6pPr marL="2514600" indent="-228600" algn="l" defTabSz="914400" rtl="0" eaLnBrk="1" latinLnBrk="0" hangingPunct="1">
+              <a:lnSpc>
+                <a:spcPct val="90000"/>
+              </a:lnSpc>
+              <a:spcBef>
+                <a:spcPts val="500"/>
+              </a:spcBef>
+              <a:buFont typeface="Arial" panose="020B0604020202020204" pitchFamily="34" charset="0"/>
+              <a:buChar char="•"/>
+              <a:defRPr sz="1800" kern="1200">
+                <a:solidFill>
+                  <a:schemeClr val="tx1"/>
+                </a:solidFill>
+                <a:latin typeface="+mn-lt"/>
+                <a:ea typeface="+mn-ea"/>
+                <a:cs typeface="+mn-cs"/>
+              </a:defRPr>
+            </a:lvl6pPr>
+            <a:lvl7pPr marL="2971800" indent="-228600" algn="l" defTabSz="914400" rtl="0" eaLnBrk="1" latinLnBrk="0" hangingPunct="1">
+              <a:lnSpc>
+                <a:spcPct val="90000"/>
+              </a:lnSpc>
+              <a:spcBef>
+                <a:spcPts val="500"/>
+              </a:spcBef>
+              <a:buFont typeface="Arial" panose="020B0604020202020204" pitchFamily="34" charset="0"/>
+              <a:buChar char="•"/>
+              <a:defRPr sz="1800" kern="1200">
+                <a:solidFill>
+                  <a:schemeClr val="tx1"/>
+                </a:solidFill>
+                <a:latin typeface="+mn-lt"/>
+                <a:ea typeface="+mn-ea"/>
+                <a:cs typeface="+mn-cs"/>
+              </a:defRPr>
+            </a:lvl7pPr>
+            <a:lvl8pPr marL="3429000" indent="-228600" algn="l" defTabSz="914400" rtl="0" eaLnBrk="1" latinLnBrk="0" hangingPunct="1">
+              <a:lnSpc>
+                <a:spcPct val="90000"/>
+              </a:lnSpc>
+              <a:spcBef>
+                <a:spcPts val="500"/>
+              </a:spcBef>
+              <a:buFont typeface="Arial" panose="020B0604020202020204" pitchFamily="34" charset="0"/>
+              <a:buChar char="•"/>
+              <a:defRPr sz="1800" kern="1200">
+                <a:solidFill>
+                  <a:schemeClr val="tx1"/>
+                </a:solidFill>
+                <a:latin typeface="+mn-lt"/>
+                <a:ea typeface="+mn-ea"/>
+                <a:cs typeface="+mn-cs"/>
+              </a:defRPr>
+            </a:lvl8pPr>
+            <a:lvl9pPr marL="3886200" indent="-228600" algn="l" defTabSz="914400" rtl="0" eaLnBrk="1" latinLnBrk="0" hangingPunct="1">
+              <a:lnSpc>
+                <a:spcPct val="90000"/>
+              </a:lnSpc>
+              <a:spcBef>
+                <a:spcPts val="500"/>
+              </a:spcBef>
+              <a:buFont typeface="Arial" panose="020B0604020202020204" pitchFamily="34" charset="0"/>
+              <a:buChar char="•"/>
+              <a:defRPr sz="1800" kern="1200">
+                <a:solidFill>
+                  <a:schemeClr val="tx1"/>
+                </a:solidFill>
+                <a:latin typeface="+mn-lt"/>
+                <a:ea typeface="+mn-ea"/>
+                <a:cs typeface="+mn-cs"/>
+              </a:defRPr>
+            </a:lvl9pPr>
+          </a:lstStyle>
+          <a:p>
+            <a:pPr marL="0" indent="0" algn="ctr">
+              <a:buFont typeface="Arial" panose="020B0604020202020204" pitchFamily="34" charset="0"/>
+              <a:buNone/>
+            </a:pPr>
+            <a:r>
+              <a:rPr lang="en-US" sz="2000" b="1" u="sng" dirty="0"/>
+              <a:t>Budget</a:t>
+            </a:r>
+          </a:p>
+          <a:p>
+            <a:pPr marL="0" indent="0" algn="ctr">
+              <a:buFont typeface="Arial" panose="020B0604020202020204" pitchFamily="34" charset="0"/>
+              <a:buNone/>
+            </a:pPr>
+            <a:endParaRPr lang="en-US" sz="1200" b="1" u="sng" dirty="0"/>
+          </a:p>
+          <a:p>
+            <a:pPr marL="0" indent="0">
+              <a:buFont typeface="Arial" panose="020B0604020202020204" pitchFamily="34" charset="0"/>
+              <a:buNone/>
+            </a:pPr>
+            <a:r>
+              <a:rPr lang="en-US" sz="1200" b="1" dirty="0"/>
+              <a:t>                                                             Per               Group</a:t>
+            </a:r>
+          </a:p>
+          <a:p>
+            <a:pPr marL="0" indent="0">
+              <a:buFont typeface="Arial" panose="020B0604020202020204" pitchFamily="34" charset="0"/>
+              <a:buNone/>
+            </a:pPr>
+            <a:r>
+              <a:rPr lang="en-US" sz="1200" b="1" dirty="0"/>
+              <a:t>                                                          Person             Total</a:t>
+            </a:r>
+          </a:p>
+          <a:p>
+            <a:pPr marL="0" indent="0">
+              <a:buFont typeface="Arial" panose="020B0604020202020204" pitchFamily="34" charset="0"/>
+              <a:buNone/>
+            </a:pPr>
+            <a:r>
+              <a:rPr lang="en-US" sz="2000" dirty="0"/>
+              <a:t>    Lodging                $___     $___</a:t>
+            </a:r>
+          </a:p>
+          <a:p>
+            <a:pPr marL="0" indent="0">
+              <a:buNone/>
+            </a:pPr>
+            <a:r>
+              <a:rPr lang="en-US" sz="2000" dirty="0"/>
+              <a:t>    Meals                   $___     $___</a:t>
+            </a:r>
+          </a:p>
+          <a:p>
+            <a:pPr marL="0" indent="0">
+              <a:buNone/>
+            </a:pPr>
+            <a:r>
+              <a:rPr lang="en-US" sz="2000" dirty="0"/>
+              <a:t>    Entertainment    $___     $___</a:t>
+            </a:r>
+          </a:p>
+          <a:p>
+            <a:pPr marL="0" indent="0">
+              <a:buFont typeface="Arial" panose="020B0604020202020204" pitchFamily="34" charset="0"/>
+              <a:buNone/>
+            </a:pPr>
+            <a:endParaRPr lang="en-US" sz="2000" dirty="0"/>
+          </a:p>
+          <a:p>
+            <a:pPr marL="0" indent="0">
+              <a:buNone/>
+            </a:pPr>
+            <a:r>
+              <a:rPr lang="en-US" sz="2000" dirty="0"/>
+              <a:t>    TOTAL:                  $___     $___</a:t>
+            </a:r>
+          </a:p>
+        </p:txBody>
+      </p:sp>
+    </p:spTree>
+    <p:extLst>
+      <p:ext uri="{BB962C8B-B14F-4D97-AF65-F5344CB8AC3E}">
+        <p14:creationId xmlns:p14="http://schemas.microsoft.com/office/powerpoint/2010/main" val="2589939824"/>
       </p:ext>
     </p:extLst>
   </p:cSld>
